--- a/doc/41091_etl_example_withScreenshotResults.pptx
+++ b/doc/41091_etl_example_withScreenshotResults.pptx
@@ -5,22 +5,23 @@
     <p:sldMasterId id="2147483648" r:id="rId1"/>
   </p:sldMasterIdLst>
   <p:notesMasterIdLst>
-    <p:notesMasterId r:id="rId15"/>
+    <p:notesMasterId r:id="rId16"/>
   </p:notesMasterIdLst>
   <p:sldIdLst>
     <p:sldId id="257" r:id="rId2"/>
     <p:sldId id="258" r:id="rId3"/>
     <p:sldId id="261" r:id="rId4"/>
     <p:sldId id="263" r:id="rId5"/>
-    <p:sldId id="264" r:id="rId6"/>
-    <p:sldId id="270" r:id="rId7"/>
-    <p:sldId id="265" r:id="rId8"/>
-    <p:sldId id="271" r:id="rId9"/>
-    <p:sldId id="267" r:id="rId10"/>
-    <p:sldId id="272" r:id="rId11"/>
-    <p:sldId id="268" r:id="rId12"/>
-    <p:sldId id="266" r:id="rId13"/>
-    <p:sldId id="269" r:id="rId14"/>
+    <p:sldId id="273" r:id="rId6"/>
+    <p:sldId id="264" r:id="rId7"/>
+    <p:sldId id="270" r:id="rId8"/>
+    <p:sldId id="265" r:id="rId9"/>
+    <p:sldId id="271" r:id="rId10"/>
+    <p:sldId id="267" r:id="rId11"/>
+    <p:sldId id="272" r:id="rId12"/>
+    <p:sldId id="268" r:id="rId13"/>
+    <p:sldId id="266" r:id="rId14"/>
+    <p:sldId id="269" r:id="rId15"/>
   </p:sldIdLst>
   <p:sldSz cx="12192000" cy="6858000"/>
   <p:notesSz cx="6858000" cy="9144000"/>
@@ -209,7 +210,7 @@
           <a:p>
             <a:fld id="{FB063ACB-47F2-4E34-872C-7133CE96AEFD}" type="datetimeFigureOut">
               <a:rPr lang="en-AU" smtClean="0"/>
-              <a:t>19/08/2021</a:t>
+              <a:t>22/08/2021</a:t>
             </a:fld>
             <a:endParaRPr lang="en-AU"/>
           </a:p>
@@ -273,35 +274,35 @@
           <a:p>
             <a:pPr lvl="0"/>
             <a:r>
-              <a:rPr lang="en-US" smtClean="0"/>
+              <a:rPr lang="en-US"/>
               <a:t>Edit Master text styles</a:t>
             </a:r>
           </a:p>
           <a:p>
             <a:pPr lvl="1"/>
             <a:r>
-              <a:rPr lang="en-US" smtClean="0"/>
+              <a:rPr lang="en-US"/>
               <a:t>Second level</a:t>
             </a:r>
           </a:p>
           <a:p>
             <a:pPr lvl="2"/>
             <a:r>
-              <a:rPr lang="en-US" smtClean="0"/>
+              <a:rPr lang="en-US"/>
               <a:t>Third level</a:t>
             </a:r>
           </a:p>
           <a:p>
             <a:pPr lvl="3"/>
             <a:r>
-              <a:rPr lang="en-US" smtClean="0"/>
+              <a:rPr lang="en-US"/>
               <a:t>Fourth level</a:t>
             </a:r>
           </a:p>
           <a:p>
             <a:pPr lvl="4"/>
             <a:r>
-              <a:rPr lang="en-US" smtClean="0"/>
+              <a:rPr lang="en-US"/>
               <a:t>Fifth level</a:t>
             </a:r>
             <a:endParaRPr lang="en-AU"/>
@@ -657,7 +658,7 @@
               </a:pPr>
               <a:t>1</a:t>
             </a:fld>
-            <a:endParaRPr lang="en-AU" altLang="en-US" sz="1500" smtClean="0"/>
+            <a:endParaRPr lang="en-AU" altLang="en-US" sz="1500"/>
           </a:p>
         </p:txBody>
       </p:sp>
@@ -713,7 +714,7 @@
           <a:lstStyle/>
           <a:p>
             <a:pPr eaLnBrk="1" hangingPunct="1"/>
-            <a:endParaRPr lang="en-US" altLang="en-US" smtClean="0">
+            <a:endParaRPr lang="en-US" altLang="en-US">
               <a:latin typeface="Arial" panose="020B0604020202020204" pitchFamily="34" charset="0"/>
             </a:endParaRPr>
           </a:p>
@@ -801,7 +802,7 @@
           <a:lstStyle/>
           <a:p>
             <a:r>
-              <a:rPr lang="en-AU" altLang="en-US" smtClean="0">
+              <a:rPr lang="en-AU" altLang="en-US">
                 <a:latin typeface="Arial" panose="020B0604020202020204" pitchFamily="34" charset="0"/>
               </a:rPr>
               <a:t>The five critical differences of ETL vs ELT:</a:t>
@@ -809,7 +810,7 @@
           </a:p>
           <a:p>
             <a:r>
-              <a:rPr lang="en-AU" altLang="en-US" smtClean="0">
+              <a:rPr lang="en-AU" altLang="en-US">
                 <a:latin typeface="Arial" panose="020B0604020202020204" pitchFamily="34" charset="0"/>
               </a:rPr>
               <a:t>ETL is the Extract, Transform, and Load process for data. ELT is Extract, Load, and Transform process for data.</a:t>
@@ -817,7 +818,7 @@
           </a:p>
           <a:p>
             <a:r>
-              <a:rPr lang="en-AU" altLang="en-US" smtClean="0">
+              <a:rPr lang="en-AU" altLang="en-US">
                 <a:latin typeface="Arial" panose="020B0604020202020204" pitchFamily="34" charset="0"/>
               </a:rPr>
               <a:t>In ETL, data moves from the data source to staging into the data warehouse.</a:t>
@@ -825,7 +826,7 @@
           </a:p>
           <a:p>
             <a:r>
-              <a:rPr lang="en-AU" altLang="en-US" smtClean="0">
+              <a:rPr lang="en-AU" altLang="en-US">
                 <a:latin typeface="Arial" panose="020B0604020202020204" pitchFamily="34" charset="0"/>
               </a:rPr>
               <a:t>ELT leverages the data warehouse to do basic transformations. There is no need for data staging.</a:t>
@@ -833,7 +834,7 @@
           </a:p>
           <a:p>
             <a:r>
-              <a:rPr lang="en-AU" altLang="en-US" smtClean="0">
+              <a:rPr lang="en-AU" altLang="en-US">
                 <a:latin typeface="Arial" panose="020B0604020202020204" pitchFamily="34" charset="0"/>
               </a:rPr>
               <a:t>ETL can help with data privacy and compliance by cleaning sensitive and secure data even before loading into the data warehouse.</a:t>
@@ -841,19 +842,19 @@
           </a:p>
           <a:p>
             <a:r>
-              <a:rPr lang="en-AU" altLang="en-US" smtClean="0">
+              <a:rPr lang="en-AU" altLang="en-US">
                 <a:latin typeface="Arial" panose="020B0604020202020204" pitchFamily="34" charset="0"/>
               </a:rPr>
               <a:t>ETL can perform sophisticated data transformations and can be more cost-effective than ELT. </a:t>
             </a:r>
           </a:p>
           <a:p>
-            <a:endParaRPr lang="en-US" altLang="en-US" smtClean="0">
+            <a:endParaRPr lang="en-US" altLang="en-US">
               <a:latin typeface="Arial" panose="020B0604020202020204" pitchFamily="34" charset="0"/>
             </a:endParaRPr>
           </a:p>
           <a:p>
-            <a:endParaRPr lang="en-AU" altLang="en-US" smtClean="0">
+            <a:endParaRPr lang="en-AU" altLang="en-US">
               <a:latin typeface="Arial" panose="020B0604020202020204" pitchFamily="34" charset="0"/>
             </a:endParaRPr>
           </a:p>
@@ -998,7 +999,7 @@
               <a:pPr/>
               <a:t>2</a:t>
             </a:fld>
-            <a:endParaRPr lang="en-AU" altLang="en-US" smtClean="0"/>
+            <a:endParaRPr lang="en-AU" altLang="en-US"/>
           </a:p>
         </p:txBody>
       </p:sp>
@@ -1057,7 +1058,7 @@
           </a:lstStyle>
           <a:p>
             <a:r>
-              <a:rPr lang="en-US" smtClean="0"/>
+              <a:rPr lang="en-US"/>
               <a:t>Click to edit Master title style</a:t>
             </a:r>
             <a:endParaRPr lang="en-AU"/>
@@ -1122,7 +1123,7 @@
           </a:lstStyle>
           <a:p>
             <a:r>
-              <a:rPr lang="en-US" smtClean="0"/>
+              <a:rPr lang="en-US"/>
               <a:t>Click to edit Master subtitle style</a:t>
             </a:r>
             <a:endParaRPr lang="en-AU"/>
@@ -1146,7 +1147,7 @@
           <a:p>
             <a:fld id="{A136CADD-BFA3-42B3-A17A-581CC2F2737E}" type="datetime1">
               <a:rPr lang="en-AU" smtClean="0"/>
-              <a:t>19/08/2021</a:t>
+              <a:t>22/08/2021</a:t>
             </a:fld>
             <a:endParaRPr lang="en-AU"/>
           </a:p>
@@ -1240,7 +1241,7 @@
           <a:lstStyle/>
           <a:p>
             <a:r>
-              <a:rPr lang="en-US" smtClean="0"/>
+              <a:rPr lang="en-US"/>
               <a:t>Click to edit Master title style</a:t>
             </a:r>
             <a:endParaRPr lang="en-AU"/>
@@ -1264,35 +1265,35 @@
           <a:p>
             <a:pPr lvl="0"/>
             <a:r>
-              <a:rPr lang="en-US" smtClean="0"/>
+              <a:rPr lang="en-US"/>
               <a:t>Edit Master text styles</a:t>
             </a:r>
           </a:p>
           <a:p>
             <a:pPr lvl="1"/>
             <a:r>
-              <a:rPr lang="en-US" smtClean="0"/>
+              <a:rPr lang="en-US"/>
               <a:t>Second level</a:t>
             </a:r>
           </a:p>
           <a:p>
             <a:pPr lvl="2"/>
             <a:r>
-              <a:rPr lang="en-US" smtClean="0"/>
+              <a:rPr lang="en-US"/>
               <a:t>Third level</a:t>
             </a:r>
           </a:p>
           <a:p>
             <a:pPr lvl="3"/>
             <a:r>
-              <a:rPr lang="en-US" smtClean="0"/>
+              <a:rPr lang="en-US"/>
               <a:t>Fourth level</a:t>
             </a:r>
           </a:p>
           <a:p>
             <a:pPr lvl="4"/>
             <a:r>
-              <a:rPr lang="en-US" smtClean="0"/>
+              <a:rPr lang="en-US"/>
               <a:t>Fifth level</a:t>
             </a:r>
             <a:endParaRPr lang="en-AU"/>
@@ -1316,7 +1317,7 @@
           <a:p>
             <a:fld id="{9B877310-58BF-4ABB-8AA8-09DD6E6E8B04}" type="datetime1">
               <a:rPr lang="en-AU" smtClean="0"/>
-              <a:t>19/08/2021</a:t>
+              <a:t>22/08/2021</a:t>
             </a:fld>
             <a:endParaRPr lang="en-AU"/>
           </a:p>
@@ -1415,7 +1416,7 @@
           <a:lstStyle/>
           <a:p>
             <a:r>
-              <a:rPr lang="en-US" smtClean="0"/>
+              <a:rPr lang="en-US"/>
               <a:t>Click to edit Master title style</a:t>
             </a:r>
             <a:endParaRPr lang="en-AU"/>
@@ -1444,35 +1445,35 @@
           <a:p>
             <a:pPr lvl="0"/>
             <a:r>
-              <a:rPr lang="en-US" smtClean="0"/>
+              <a:rPr lang="en-US"/>
               <a:t>Edit Master text styles</a:t>
             </a:r>
           </a:p>
           <a:p>
             <a:pPr lvl="1"/>
             <a:r>
-              <a:rPr lang="en-US" smtClean="0"/>
+              <a:rPr lang="en-US"/>
               <a:t>Second level</a:t>
             </a:r>
           </a:p>
           <a:p>
             <a:pPr lvl="2"/>
             <a:r>
-              <a:rPr lang="en-US" smtClean="0"/>
+              <a:rPr lang="en-US"/>
               <a:t>Third level</a:t>
             </a:r>
           </a:p>
           <a:p>
             <a:pPr lvl="3"/>
             <a:r>
-              <a:rPr lang="en-US" smtClean="0"/>
+              <a:rPr lang="en-US"/>
               <a:t>Fourth level</a:t>
             </a:r>
           </a:p>
           <a:p>
             <a:pPr lvl="4"/>
             <a:r>
-              <a:rPr lang="en-US" smtClean="0"/>
+              <a:rPr lang="en-US"/>
               <a:t>Fifth level</a:t>
             </a:r>
             <a:endParaRPr lang="en-AU"/>
@@ -1496,7 +1497,7 @@
           <a:p>
             <a:fld id="{96FD0D63-A533-441B-A7FF-EBB66FA9A5E7}" type="datetime1">
               <a:rPr lang="en-AU" smtClean="0"/>
-              <a:t>19/08/2021</a:t>
+              <a:t>22/08/2021</a:t>
             </a:fld>
             <a:endParaRPr lang="en-AU"/>
           </a:p>
@@ -1590,7 +1591,7 @@
           <a:lstStyle/>
           <a:p>
             <a:r>
-              <a:rPr lang="en-US" smtClean="0"/>
+              <a:rPr lang="en-US"/>
               <a:t>Click to edit Master title style</a:t>
             </a:r>
             <a:endParaRPr lang="en-AU"/>
@@ -1614,35 +1615,35 @@
           <a:p>
             <a:pPr lvl="0"/>
             <a:r>
-              <a:rPr lang="en-US" smtClean="0"/>
+              <a:rPr lang="en-US"/>
               <a:t>Edit Master text styles</a:t>
             </a:r>
           </a:p>
           <a:p>
             <a:pPr lvl="1"/>
             <a:r>
-              <a:rPr lang="en-US" smtClean="0"/>
+              <a:rPr lang="en-US"/>
               <a:t>Second level</a:t>
             </a:r>
           </a:p>
           <a:p>
             <a:pPr lvl="2"/>
             <a:r>
-              <a:rPr lang="en-US" smtClean="0"/>
+              <a:rPr lang="en-US"/>
               <a:t>Third level</a:t>
             </a:r>
           </a:p>
           <a:p>
             <a:pPr lvl="3"/>
             <a:r>
-              <a:rPr lang="en-US" smtClean="0"/>
+              <a:rPr lang="en-US"/>
               <a:t>Fourth level</a:t>
             </a:r>
           </a:p>
           <a:p>
             <a:pPr lvl="4"/>
             <a:r>
-              <a:rPr lang="en-US" smtClean="0"/>
+              <a:rPr lang="en-US"/>
               <a:t>Fifth level</a:t>
             </a:r>
             <a:endParaRPr lang="en-AU"/>
@@ -1666,7 +1667,7 @@
           <a:p>
             <a:fld id="{230C6C7B-965E-4F87-986C-9EFC9987F2A5}" type="datetime1">
               <a:rPr lang="en-AU" smtClean="0"/>
-              <a:t>19/08/2021</a:t>
+              <a:t>22/08/2021</a:t>
             </a:fld>
             <a:endParaRPr lang="en-AU"/>
           </a:p>
@@ -1769,7 +1770,7 @@
           </a:lstStyle>
           <a:p>
             <a:r>
-              <a:rPr lang="en-US" smtClean="0"/>
+              <a:rPr lang="en-US"/>
               <a:t>Click to edit Master title style</a:t>
             </a:r>
             <a:endParaRPr lang="en-AU"/>
@@ -1889,7 +1890,7 @@
           <a:p>
             <a:pPr lvl="0"/>
             <a:r>
-              <a:rPr lang="en-US" smtClean="0"/>
+              <a:rPr lang="en-US"/>
               <a:t>Edit Master text styles</a:t>
             </a:r>
           </a:p>
@@ -1912,7 +1913,7 @@
           <a:p>
             <a:fld id="{3D6AC95F-224E-4A0D-8811-8AD0C7E10C91}" type="datetime1">
               <a:rPr lang="en-AU" smtClean="0"/>
-              <a:t>19/08/2021</a:t>
+              <a:t>22/08/2021</a:t>
             </a:fld>
             <a:endParaRPr lang="en-AU"/>
           </a:p>
@@ -2006,7 +2007,7 @@
           <a:lstStyle/>
           <a:p>
             <a:r>
-              <a:rPr lang="en-US" smtClean="0"/>
+              <a:rPr lang="en-US"/>
               <a:t>Click to edit Master title style</a:t>
             </a:r>
             <a:endParaRPr lang="en-AU"/>
@@ -2035,35 +2036,35 @@
           <a:p>
             <a:pPr lvl="0"/>
             <a:r>
-              <a:rPr lang="en-US" smtClean="0"/>
+              <a:rPr lang="en-US"/>
               <a:t>Edit Master text styles</a:t>
             </a:r>
           </a:p>
           <a:p>
             <a:pPr lvl="1"/>
             <a:r>
-              <a:rPr lang="en-US" smtClean="0"/>
+              <a:rPr lang="en-US"/>
               <a:t>Second level</a:t>
             </a:r>
           </a:p>
           <a:p>
             <a:pPr lvl="2"/>
             <a:r>
-              <a:rPr lang="en-US" smtClean="0"/>
+              <a:rPr lang="en-US"/>
               <a:t>Third level</a:t>
             </a:r>
           </a:p>
           <a:p>
             <a:pPr lvl="3"/>
             <a:r>
-              <a:rPr lang="en-US" smtClean="0"/>
+              <a:rPr lang="en-US"/>
               <a:t>Fourth level</a:t>
             </a:r>
           </a:p>
           <a:p>
             <a:pPr lvl="4"/>
             <a:r>
-              <a:rPr lang="en-US" smtClean="0"/>
+              <a:rPr lang="en-US"/>
               <a:t>Fifth level</a:t>
             </a:r>
             <a:endParaRPr lang="en-AU"/>
@@ -2092,35 +2093,35 @@
           <a:p>
             <a:pPr lvl="0"/>
             <a:r>
-              <a:rPr lang="en-US" smtClean="0"/>
+              <a:rPr lang="en-US"/>
               <a:t>Edit Master text styles</a:t>
             </a:r>
           </a:p>
           <a:p>
             <a:pPr lvl="1"/>
             <a:r>
-              <a:rPr lang="en-US" smtClean="0"/>
+              <a:rPr lang="en-US"/>
               <a:t>Second level</a:t>
             </a:r>
           </a:p>
           <a:p>
             <a:pPr lvl="2"/>
             <a:r>
-              <a:rPr lang="en-US" smtClean="0"/>
+              <a:rPr lang="en-US"/>
               <a:t>Third level</a:t>
             </a:r>
           </a:p>
           <a:p>
             <a:pPr lvl="3"/>
             <a:r>
-              <a:rPr lang="en-US" smtClean="0"/>
+              <a:rPr lang="en-US"/>
               <a:t>Fourth level</a:t>
             </a:r>
           </a:p>
           <a:p>
             <a:pPr lvl="4"/>
             <a:r>
-              <a:rPr lang="en-US" smtClean="0"/>
+              <a:rPr lang="en-US"/>
               <a:t>Fifth level</a:t>
             </a:r>
             <a:endParaRPr lang="en-AU"/>
@@ -2144,7 +2145,7 @@
           <a:p>
             <a:fld id="{A999EF16-BB08-4A37-A87F-F2FA9BF45EFB}" type="datetime1">
               <a:rPr lang="en-AU" smtClean="0"/>
-              <a:t>19/08/2021</a:t>
+              <a:t>22/08/2021</a:t>
             </a:fld>
             <a:endParaRPr lang="en-AU"/>
           </a:p>
@@ -2243,7 +2244,7 @@
           <a:lstStyle/>
           <a:p>
             <a:r>
-              <a:rPr lang="en-US" smtClean="0"/>
+              <a:rPr lang="en-US"/>
               <a:t>Click to edit Master title style</a:t>
             </a:r>
             <a:endParaRPr lang="en-AU"/>
@@ -2309,7 +2310,7 @@
           <a:p>
             <a:pPr lvl="0"/>
             <a:r>
-              <a:rPr lang="en-US" smtClean="0"/>
+              <a:rPr lang="en-US"/>
               <a:t>Edit Master text styles</a:t>
             </a:r>
           </a:p>
@@ -2337,35 +2338,35 @@
           <a:p>
             <a:pPr lvl="0"/>
             <a:r>
-              <a:rPr lang="en-US" smtClean="0"/>
+              <a:rPr lang="en-US"/>
               <a:t>Edit Master text styles</a:t>
             </a:r>
           </a:p>
           <a:p>
             <a:pPr lvl="1"/>
             <a:r>
-              <a:rPr lang="en-US" smtClean="0"/>
+              <a:rPr lang="en-US"/>
               <a:t>Second level</a:t>
             </a:r>
           </a:p>
           <a:p>
             <a:pPr lvl="2"/>
             <a:r>
-              <a:rPr lang="en-US" smtClean="0"/>
+              <a:rPr lang="en-US"/>
               <a:t>Third level</a:t>
             </a:r>
           </a:p>
           <a:p>
             <a:pPr lvl="3"/>
             <a:r>
-              <a:rPr lang="en-US" smtClean="0"/>
+              <a:rPr lang="en-US"/>
               <a:t>Fourth level</a:t>
             </a:r>
           </a:p>
           <a:p>
             <a:pPr lvl="4"/>
             <a:r>
-              <a:rPr lang="en-US" smtClean="0"/>
+              <a:rPr lang="en-US"/>
               <a:t>Fifth level</a:t>
             </a:r>
             <a:endParaRPr lang="en-AU"/>
@@ -2431,7 +2432,7 @@
           <a:p>
             <a:pPr lvl="0"/>
             <a:r>
-              <a:rPr lang="en-US" smtClean="0"/>
+              <a:rPr lang="en-US"/>
               <a:t>Edit Master text styles</a:t>
             </a:r>
           </a:p>
@@ -2459,35 +2460,35 @@
           <a:p>
             <a:pPr lvl="0"/>
             <a:r>
-              <a:rPr lang="en-US" smtClean="0"/>
+              <a:rPr lang="en-US"/>
               <a:t>Edit Master text styles</a:t>
             </a:r>
           </a:p>
           <a:p>
             <a:pPr lvl="1"/>
             <a:r>
-              <a:rPr lang="en-US" smtClean="0"/>
+              <a:rPr lang="en-US"/>
               <a:t>Second level</a:t>
             </a:r>
           </a:p>
           <a:p>
             <a:pPr lvl="2"/>
             <a:r>
-              <a:rPr lang="en-US" smtClean="0"/>
+              <a:rPr lang="en-US"/>
               <a:t>Third level</a:t>
             </a:r>
           </a:p>
           <a:p>
             <a:pPr lvl="3"/>
             <a:r>
-              <a:rPr lang="en-US" smtClean="0"/>
+              <a:rPr lang="en-US"/>
               <a:t>Fourth level</a:t>
             </a:r>
           </a:p>
           <a:p>
             <a:pPr lvl="4"/>
             <a:r>
-              <a:rPr lang="en-US" smtClean="0"/>
+              <a:rPr lang="en-US"/>
               <a:t>Fifth level</a:t>
             </a:r>
             <a:endParaRPr lang="en-AU"/>
@@ -2511,7 +2512,7 @@
           <a:p>
             <a:fld id="{97676C48-B45D-4209-A5E9-233B7914CDD5}" type="datetime1">
               <a:rPr lang="en-AU" smtClean="0"/>
-              <a:t>19/08/2021</a:t>
+              <a:t>22/08/2021</a:t>
             </a:fld>
             <a:endParaRPr lang="en-AU"/>
           </a:p>
@@ -2605,7 +2606,7 @@
           <a:lstStyle/>
           <a:p>
             <a:r>
-              <a:rPr lang="en-US" smtClean="0"/>
+              <a:rPr lang="en-US"/>
               <a:t>Click to edit Master title style</a:t>
             </a:r>
             <a:endParaRPr lang="en-AU"/>
@@ -2629,7 +2630,7 @@
           <a:p>
             <a:fld id="{9CDB8A23-197D-45B7-9DB4-1A54A04071D5}" type="datetime1">
               <a:rPr lang="en-AU" smtClean="0"/>
-              <a:t>19/08/2021</a:t>
+              <a:t>22/08/2021</a:t>
             </a:fld>
             <a:endParaRPr lang="en-AU"/>
           </a:p>
@@ -2724,7 +2725,7 @@
           <a:p>
             <a:fld id="{40A8E006-05C6-4D5E-9E17-DA9F8D4D6492}" type="datetime1">
               <a:rPr lang="en-AU" smtClean="0"/>
-              <a:t>19/08/2021</a:t>
+              <a:t>22/08/2021</a:t>
             </a:fld>
             <a:endParaRPr lang="en-AU"/>
           </a:p>
@@ -2827,7 +2828,7 @@
           </a:lstStyle>
           <a:p>
             <a:r>
-              <a:rPr lang="en-US" smtClean="0"/>
+              <a:rPr lang="en-US"/>
               <a:t>Click to edit Master title style</a:t>
             </a:r>
             <a:endParaRPr lang="en-AU"/>
@@ -2884,35 +2885,35 @@
           <a:p>
             <a:pPr lvl="0"/>
             <a:r>
-              <a:rPr lang="en-US" smtClean="0"/>
+              <a:rPr lang="en-US"/>
               <a:t>Edit Master text styles</a:t>
             </a:r>
           </a:p>
           <a:p>
             <a:pPr lvl="1"/>
             <a:r>
-              <a:rPr lang="en-US" smtClean="0"/>
+              <a:rPr lang="en-US"/>
               <a:t>Second level</a:t>
             </a:r>
           </a:p>
           <a:p>
             <a:pPr lvl="2"/>
             <a:r>
-              <a:rPr lang="en-US" smtClean="0"/>
+              <a:rPr lang="en-US"/>
               <a:t>Third level</a:t>
             </a:r>
           </a:p>
           <a:p>
             <a:pPr lvl="3"/>
             <a:r>
-              <a:rPr lang="en-US" smtClean="0"/>
+              <a:rPr lang="en-US"/>
               <a:t>Fourth level</a:t>
             </a:r>
           </a:p>
           <a:p>
             <a:pPr lvl="4"/>
             <a:r>
-              <a:rPr lang="en-US" smtClean="0"/>
+              <a:rPr lang="en-US"/>
               <a:t>Fifth level</a:t>
             </a:r>
             <a:endParaRPr lang="en-AU"/>
@@ -2978,7 +2979,7 @@
           <a:p>
             <a:pPr lvl="0"/>
             <a:r>
-              <a:rPr lang="en-US" smtClean="0"/>
+              <a:rPr lang="en-US"/>
               <a:t>Edit Master text styles</a:t>
             </a:r>
           </a:p>
@@ -3001,7 +3002,7 @@
           <a:p>
             <a:fld id="{157146BA-9E8E-4239-8B33-B3CA3D6EF706}" type="datetime1">
               <a:rPr lang="en-AU" smtClean="0"/>
-              <a:t>19/08/2021</a:t>
+              <a:t>22/08/2021</a:t>
             </a:fld>
             <a:endParaRPr lang="en-AU"/>
           </a:p>
@@ -3104,7 +3105,7 @@
           </a:lstStyle>
           <a:p>
             <a:r>
-              <a:rPr lang="en-US" smtClean="0"/>
+              <a:rPr lang="en-US"/>
               <a:t>Click to edit Master title style</a:t>
             </a:r>
             <a:endParaRPr lang="en-AU"/>
@@ -3231,7 +3232,7 @@
           <a:p>
             <a:pPr lvl="0"/>
             <a:r>
-              <a:rPr lang="en-US" smtClean="0"/>
+              <a:rPr lang="en-US"/>
               <a:t>Edit Master text styles</a:t>
             </a:r>
           </a:p>
@@ -3254,7 +3255,7 @@
           <a:p>
             <a:fld id="{71FB6F8B-B497-43AF-800E-A7E7CB6027A2}" type="datetime1">
               <a:rPr lang="en-AU" smtClean="0"/>
-              <a:t>19/08/2021</a:t>
+              <a:t>22/08/2021</a:t>
             </a:fld>
             <a:endParaRPr lang="en-AU"/>
           </a:p>
@@ -3363,7 +3364,7 @@
           <a:lstStyle/>
           <a:p>
             <a:r>
-              <a:rPr lang="en-US" smtClean="0"/>
+              <a:rPr lang="en-US"/>
               <a:t>Click to edit Master title style</a:t>
             </a:r>
             <a:endParaRPr lang="en-AU"/>
@@ -3397,35 +3398,35 @@
           <a:p>
             <a:pPr lvl="0"/>
             <a:r>
-              <a:rPr lang="en-US" smtClean="0"/>
+              <a:rPr lang="en-US"/>
               <a:t>Edit Master text styles</a:t>
             </a:r>
           </a:p>
           <a:p>
             <a:pPr lvl="1"/>
             <a:r>
-              <a:rPr lang="en-US" smtClean="0"/>
+              <a:rPr lang="en-US"/>
               <a:t>Second level</a:t>
             </a:r>
           </a:p>
           <a:p>
             <a:pPr lvl="2"/>
             <a:r>
-              <a:rPr lang="en-US" smtClean="0"/>
+              <a:rPr lang="en-US"/>
               <a:t>Third level</a:t>
             </a:r>
           </a:p>
           <a:p>
             <a:pPr lvl="3"/>
             <a:r>
-              <a:rPr lang="en-US" smtClean="0"/>
+              <a:rPr lang="en-US"/>
               <a:t>Fourth level</a:t>
             </a:r>
           </a:p>
           <a:p>
             <a:pPr lvl="4"/>
             <a:r>
-              <a:rPr lang="en-US" smtClean="0"/>
+              <a:rPr lang="en-US"/>
               <a:t>Fifth level</a:t>
             </a:r>
             <a:endParaRPr lang="en-AU"/>
@@ -3467,7 +3468,7 @@
           <a:p>
             <a:fld id="{4C333796-72F3-45D4-8652-4729E4AFF077}" type="datetime1">
               <a:rPr lang="en-AU" smtClean="0"/>
-              <a:t>19/08/2021</a:t>
+              <a:t>22/08/2021</a:t>
             </a:fld>
             <a:endParaRPr lang="en-AU"/>
           </a:p>
@@ -4272,7 +4273,7 @@
               <a:buNone/>
             </a:pPr>
             <a:r>
-              <a:rPr lang="en-US" altLang="en-US" sz="3500" b="1" dirty="0" smtClean="0"/>
+              <a:rPr lang="en-US" altLang="en-US" sz="3500" b="1" dirty="0"/>
               <a:t>Implementation of ETL pipeline </a:t>
             </a:r>
           </a:p>
@@ -4285,7 +4286,7 @@
               <a:buNone/>
             </a:pPr>
             <a:r>
-              <a:rPr lang="en-US" altLang="en-US" sz="3500" b="1" dirty="0" smtClean="0"/>
+              <a:rPr lang="en-US" altLang="en-US" sz="3500" b="1" dirty="0"/>
               <a:t>using Python </a:t>
             </a:r>
             <a:endParaRPr lang="en-AU" altLang="en-US" sz="3500" b="1" dirty="0"/>
@@ -4359,13 +4360,6 @@
   <p:transition>
     <p:fade/>
   </p:transition>
-  <p:timing>
-    <p:tnLst>
-      <p:par>
-        <p:cTn id="1" dur="indefinite" restart="never" nodeType="tmRoot"/>
-      </p:par>
-    </p:tnLst>
-  </p:timing>
 </p:sld>
 </file>
 
@@ -4402,8 +4396,8 @@
           <a:lstStyle/>
           <a:p>
             <a:r>
-              <a:rPr lang="en-US" dirty="0" smtClean="0"/>
-              <a:t>Step 3 results </a:t>
+              <a:rPr lang="en-US" dirty="0"/>
+              <a:t>Step 2 : Transform data</a:t>
             </a:r>
             <a:endParaRPr lang="en-AU" dirty="0"/>
           </a:p>
@@ -4419,22 +4413,34 @@
             <p:ph idx="1"/>
           </p:nvPr>
         </p:nvSpPr>
-        <p:spPr/>
-        <p:txBody>
-          <a:bodyPr/>
-          <a:lstStyle/>
-          <a:p>
-            <a:r>
-              <a:rPr lang="en-US" dirty="0" smtClean="0"/>
-              <a:t>Screenshot </a:t>
-            </a:r>
+        <p:spPr>
+          <a:xfrm>
+            <a:off x="838200" y="1422953"/>
+            <a:ext cx="10411437" cy="858852"/>
+          </a:xfrm>
+        </p:spPr>
+        <p:txBody>
+          <a:bodyPr>
+            <a:normAutofit lnSpcReduction="10000"/>
+          </a:bodyPr>
+          <a:lstStyle/>
+          <a:p>
+            <a:r>
+              <a:rPr lang="en-US" dirty="0"/>
+              <a:t>A hierarchy of model classes has been designed to transform and hold data from extracting process </a:t>
+            </a:r>
+          </a:p>
+          <a:p>
+            <a:pPr marL="0" indent="0">
+              <a:buNone/>
+            </a:pPr>
             <a:endParaRPr lang="en-AU" dirty="0"/>
           </a:p>
         </p:txBody>
       </p:sp>
       <p:sp>
         <p:nvSpPr>
-          <p:cNvPr id="4" name="Slide Number Placeholder 3"/>
+          <p:cNvPr id="6" name="Slide Number Placeholder 5"/>
           <p:cNvSpPr>
             <a:spLocks noGrp="1"/>
           </p:cNvSpPr>
@@ -4457,13 +4463,13 @@
       </p:sp>
       <p:sp>
         <p:nvSpPr>
-          <p:cNvPr id="5" name="TextBox 4"/>
+          <p:cNvPr id="7" name="TextBox 6"/>
           <p:cNvSpPr txBox="1"/>
           <p:nvPr/>
         </p:nvSpPr>
         <p:spPr>
           <a:xfrm>
-            <a:off x="729147" y="6174799"/>
+            <a:off x="729147" y="6392913"/>
             <a:ext cx="7881453" cy="646331"/>
           </a:xfrm>
           <a:prstGeom prst="rect">
@@ -4478,18 +4484,18 @@
           <a:lstStyle/>
           <a:p>
             <a:r>
-              <a:rPr lang="en-US" dirty="0" smtClean="0"/>
+              <a:rPr lang="en-US" dirty="0"/>
               <a:t>The Python code and MySQL are developed by Teaching Assistant </a:t>
             </a:r>
             <a:r>
-              <a:rPr lang="en-US" dirty="0" err="1" smtClean="0"/>
+              <a:rPr lang="en-US" dirty="0" err="1"/>
               <a:t>Shougang</a:t>
             </a:r>
             <a:r>
-              <a:rPr lang="en-US" dirty="0" smtClean="0"/>
+              <a:rPr lang="en-US" dirty="0"/>
               <a:t> Chen.</a:t>
             </a:r>
-            <a:endParaRPr lang="en-AU" dirty="0" smtClean="0"/>
+            <a:endParaRPr lang="en-AU" dirty="0"/>
           </a:p>
           <a:p>
             <a:endParaRPr lang="en-AU" dirty="0"/>
@@ -4498,7 +4504,13 @@
       </p:sp>
       <p:pic>
         <p:nvPicPr>
-          <p:cNvPr id="6" name="Picture 2" descr="Table exported as pdf from jupyter notebook is not printed - Stack Overflow"/>
+          <p:cNvPr id="1026" name="Picture 2">
+            <a:extLst>
+              <a:ext uri="{FF2B5EF4-FFF2-40B4-BE49-F238E27FC236}">
+                <a16:creationId xmlns:a16="http://schemas.microsoft.com/office/drawing/2014/main" id="{0946F051-3A75-4114-BF0E-4B0D17D41810}"/>
+              </a:ext>
+            </a:extLst>
+          </p:cNvPr>
           <p:cNvPicPr>
             <a:picLocks noChangeAspect="1" noChangeArrowheads="1"/>
           </p:cNvPicPr>
@@ -4519,8 +4531,8 @@
         </p:blipFill>
         <p:spPr bwMode="auto">
           <a:xfrm>
-            <a:off x="4413538" y="1690688"/>
-            <a:ext cx="5781675" cy="4781551"/>
+            <a:off x="1060505" y="2205388"/>
+            <a:ext cx="10583415" cy="4234744"/>
           </a:xfrm>
           <a:prstGeom prst="rect">
             <a:avLst/>
@@ -4540,7 +4552,7 @@
     </p:spTree>
     <p:extLst>
       <p:ext uri="{BB962C8B-B14F-4D97-AF65-F5344CB8AC3E}">
-        <p14:creationId xmlns:p14="http://schemas.microsoft.com/office/powerpoint/2010/main" val="1865606356"/>
+        <p14:creationId xmlns:p14="http://schemas.microsoft.com/office/powerpoint/2010/main" val="1226663089"/>
       </p:ext>
     </p:extLst>
   </p:cSld>
@@ -4577,33 +4589,10 @@
             <p:ph type="title"/>
           </p:nvPr>
         </p:nvSpPr>
-        <p:spPr/>
-        <p:txBody>
-          <a:bodyPr/>
-          <a:lstStyle/>
-          <a:p>
-            <a:r>
-              <a:rPr lang="en-US" dirty="0" smtClean="0"/>
-              <a:t>Step 4 : ----</a:t>
-            </a:r>
-            <a:endParaRPr lang="en-AU" dirty="0"/>
-          </a:p>
-        </p:txBody>
-      </p:sp>
-      <p:sp>
-        <p:nvSpPr>
-          <p:cNvPr id="3" name="Content Placeholder 2"/>
-          <p:cNvSpPr>
-            <a:spLocks noGrp="1"/>
-          </p:cNvSpPr>
-          <p:nvPr>
-            <p:ph idx="1"/>
-          </p:nvPr>
-        </p:nvSpPr>
         <p:spPr>
           <a:xfrm>
-            <a:off x="838200" y="1825625"/>
-            <a:ext cx="8693727" cy="4351338"/>
+            <a:off x="-9089" y="12787"/>
+            <a:ext cx="10515600" cy="1325563"/>
           </a:xfrm>
         </p:spPr>
         <p:txBody>
@@ -4611,26 +4600,8 @@
           <a:lstStyle/>
           <a:p>
             <a:r>
-              <a:rPr lang="en-US" dirty="0" smtClean="0"/>
-              <a:t>Description </a:t>
-            </a:r>
-          </a:p>
-          <a:p>
-            <a:endParaRPr lang="en-US" dirty="0"/>
-          </a:p>
-          <a:p>
-            <a:endParaRPr lang="en-US" dirty="0" smtClean="0"/>
-          </a:p>
-          <a:p>
-            <a:endParaRPr lang="en-US" dirty="0"/>
-          </a:p>
-          <a:p>
-            <a:endParaRPr lang="en-US" dirty="0" smtClean="0"/>
-          </a:p>
-          <a:p>
-            <a:r>
-              <a:rPr lang="en-US" dirty="0" smtClean="0"/>
-              <a:t>Python code </a:t>
+              <a:rPr lang="en-US" dirty="0"/>
+              <a:t>Transform data code</a:t>
             </a:r>
             <a:endParaRPr lang="en-AU" dirty="0"/>
           </a:p>
@@ -4638,48 +4609,7 @@
       </p:sp>
       <p:sp>
         <p:nvSpPr>
-          <p:cNvPr id="4" name="TextBox 3"/>
-          <p:cNvSpPr txBox="1"/>
-          <p:nvPr/>
-        </p:nvSpPr>
-        <p:spPr>
-          <a:xfrm>
-            <a:off x="729147" y="6174799"/>
-            <a:ext cx="7881453" cy="646331"/>
-          </a:xfrm>
-          <a:prstGeom prst="rect">
-            <a:avLst/>
-          </a:prstGeom>
-          <a:noFill/>
-        </p:spPr>
-        <p:txBody>
-          <a:bodyPr wrap="none" rtlCol="0">
-            <a:spAutoFit/>
-          </a:bodyPr>
-          <a:lstStyle/>
-          <a:p>
-            <a:r>
-              <a:rPr lang="en-US" dirty="0" smtClean="0"/>
-              <a:t>The Python code and MySQL are developed by Teaching Assistant </a:t>
-            </a:r>
-            <a:r>
-              <a:rPr lang="en-US" dirty="0" err="1" smtClean="0"/>
-              <a:t>Shougang</a:t>
-            </a:r>
-            <a:r>
-              <a:rPr lang="en-US" dirty="0" smtClean="0"/>
-              <a:t> Chen.</a:t>
-            </a:r>
-            <a:endParaRPr lang="en-AU" dirty="0" smtClean="0"/>
-          </a:p>
-          <a:p>
-            <a:endParaRPr lang="en-AU" dirty="0"/>
-          </a:p>
-        </p:txBody>
-      </p:sp>
-      <p:sp>
-        <p:nvSpPr>
-          <p:cNvPr id="7" name="Slide Number Placeholder 6"/>
+          <p:cNvPr id="4" name="Slide Number Placeholder 3"/>
           <p:cNvSpPr>
             <a:spLocks noGrp="1"/>
           </p:cNvSpPr>
@@ -4700,10 +4630,82 @@
           </a:p>
         </p:txBody>
       </p:sp>
+      <p:pic>
+        <p:nvPicPr>
+          <p:cNvPr id="10" name="Picture 9" descr="Text&#10;&#10;Description automatically generated">
+            <a:extLst>
+              <a:ext uri="{FF2B5EF4-FFF2-40B4-BE49-F238E27FC236}">
+                <a16:creationId xmlns:a16="http://schemas.microsoft.com/office/drawing/2014/main" id="{7EE1012A-607A-4C8D-B093-B3D6AB8335C5}"/>
+              </a:ext>
+            </a:extLst>
+          </p:cNvPr>
+          <p:cNvPicPr>
+            <a:picLocks noChangeAspect="1"/>
+          </p:cNvPicPr>
+          <p:nvPr/>
+        </p:nvPicPr>
+        <p:blipFill>
+          <a:blip r:embed="rId2">
+            <a:extLst>
+              <a:ext uri="{28A0092B-C50C-407E-A947-70E740481C1C}">
+                <a14:useLocalDpi xmlns:a14="http://schemas.microsoft.com/office/drawing/2010/main" val="0"/>
+              </a:ext>
+            </a:extLst>
+          </a:blip>
+          <a:stretch>
+            <a:fillRect/>
+          </a:stretch>
+        </p:blipFill>
+        <p:spPr>
+          <a:xfrm>
+            <a:off x="-1" y="1962910"/>
+            <a:ext cx="6145431" cy="4882303"/>
+          </a:xfrm>
+          <a:prstGeom prst="rect">
+            <a:avLst/>
+          </a:prstGeom>
+        </p:spPr>
+      </p:pic>
+      <p:pic>
+        <p:nvPicPr>
+          <p:cNvPr id="12" name="Picture 11" descr="Text&#10;&#10;Description automatically generated">
+            <a:extLst>
+              <a:ext uri="{FF2B5EF4-FFF2-40B4-BE49-F238E27FC236}">
+                <a16:creationId xmlns:a16="http://schemas.microsoft.com/office/drawing/2014/main" id="{FE3EEEFE-7EFE-47EE-A12E-90E4E655C46F}"/>
+              </a:ext>
+            </a:extLst>
+          </p:cNvPr>
+          <p:cNvPicPr>
+            <a:picLocks noChangeAspect="1"/>
+          </p:cNvPicPr>
+          <p:nvPr/>
+        </p:nvPicPr>
+        <p:blipFill>
+          <a:blip r:embed="rId3">
+            <a:extLst>
+              <a:ext uri="{28A0092B-C50C-407E-A947-70E740481C1C}">
+                <a14:useLocalDpi xmlns:a14="http://schemas.microsoft.com/office/drawing/2010/main" val="0"/>
+              </a:ext>
+            </a:extLst>
+          </a:blip>
+          <a:stretch>
+            <a:fillRect/>
+          </a:stretch>
+        </p:blipFill>
+        <p:spPr>
+          <a:xfrm>
+            <a:off x="5088418" y="860144"/>
+            <a:ext cx="7008507" cy="4436659"/>
+          </a:xfrm>
+          <a:prstGeom prst="rect">
+            <a:avLst/>
+          </a:prstGeom>
+        </p:spPr>
+      </p:pic>
     </p:spTree>
     <p:extLst>
       <p:ext uri="{BB962C8B-B14F-4D97-AF65-F5344CB8AC3E}">
-        <p14:creationId xmlns:p14="http://schemas.microsoft.com/office/powerpoint/2010/main" val="3034971689"/>
+        <p14:creationId xmlns:p14="http://schemas.microsoft.com/office/powerpoint/2010/main" val="1865606356"/>
       </p:ext>
     </p:extLst>
   </p:cSld>
@@ -4746,12 +4748,8 @@
           <a:lstStyle/>
           <a:p>
             <a:r>
-              <a:rPr lang="en-US" dirty="0" smtClean="0"/>
-              <a:t>Step </a:t>
-            </a:r>
-            <a:r>
-              <a:rPr lang="en-US" dirty="0" smtClean="0"/>
-              <a:t>4 results  </a:t>
+              <a:rPr lang="en-US" dirty="0"/>
+              <a:t>Transform data result</a:t>
             </a:r>
             <a:endParaRPr lang="en-AU" dirty="0"/>
           </a:p>
@@ -4759,77 +4757,7 @@
       </p:sp>
       <p:sp>
         <p:nvSpPr>
-          <p:cNvPr id="3" name="Content Placeholder 2"/>
-          <p:cNvSpPr>
-            <a:spLocks noGrp="1"/>
-          </p:cNvSpPr>
-          <p:nvPr>
-            <p:ph idx="1"/>
-          </p:nvPr>
-        </p:nvSpPr>
-        <p:spPr>
-          <a:xfrm>
-            <a:off x="838200" y="1825625"/>
-            <a:ext cx="8693727" cy="4351338"/>
-          </a:xfrm>
-        </p:spPr>
-        <p:txBody>
-          <a:bodyPr/>
-          <a:lstStyle/>
-          <a:p>
-            <a:r>
-              <a:rPr lang="en-US" dirty="0" smtClean="0"/>
-              <a:t>Screenshot  </a:t>
-            </a:r>
-            <a:endParaRPr lang="en-US" dirty="0" smtClean="0"/>
-          </a:p>
-          <a:p>
-            <a:endParaRPr lang="en-US" dirty="0"/>
-          </a:p>
-          <a:p>
-            <a:endParaRPr lang="en-US" dirty="0" smtClean="0"/>
-          </a:p>
-          <a:p>
-            <a:endParaRPr lang="en-US" dirty="0"/>
-          </a:p>
-          <a:p>
-            <a:endParaRPr lang="en-US" dirty="0" smtClean="0"/>
-          </a:p>
-          <a:p>
-            <a:r>
-              <a:rPr lang="en-US" dirty="0" smtClean="0"/>
-              <a:t> </a:t>
-            </a:r>
-            <a:endParaRPr lang="en-AU" dirty="0"/>
-          </a:p>
-        </p:txBody>
-      </p:sp>
-      <p:sp>
-        <p:nvSpPr>
-          <p:cNvPr id="6" name="Slide Number Placeholder 5"/>
-          <p:cNvSpPr>
-            <a:spLocks noGrp="1"/>
-          </p:cNvSpPr>
-          <p:nvPr>
-            <p:ph type="sldNum" sz="quarter" idx="12"/>
-          </p:nvPr>
-        </p:nvSpPr>
-        <p:spPr/>
-        <p:txBody>
-          <a:bodyPr/>
-          <a:lstStyle/>
-          <a:p>
-            <a:fld id="{85AD1932-6698-4CF4-A98F-694E3EF99D8E}" type="slidenum">
-              <a:rPr lang="en-AU" smtClean="0"/>
-              <a:t>12</a:t>
-            </a:fld>
-            <a:endParaRPr lang="en-AU"/>
-          </a:p>
-        </p:txBody>
-      </p:sp>
-      <p:sp>
-        <p:nvSpPr>
-          <p:cNvPr id="7" name="TextBox 6"/>
+          <p:cNvPr id="4" name="TextBox 3"/>
           <p:cNvSpPr txBox="1"/>
           <p:nvPr/>
         </p:nvSpPr>
@@ -4850,29 +4778,119 @@
           <a:lstStyle/>
           <a:p>
             <a:r>
-              <a:rPr lang="en-US" dirty="0" smtClean="0"/>
+              <a:rPr lang="en-US" dirty="0"/>
               <a:t>The Python code and MySQL are developed by Teaching Assistant </a:t>
             </a:r>
             <a:r>
-              <a:rPr lang="en-US" dirty="0" err="1" smtClean="0"/>
+              <a:rPr lang="en-US" dirty="0" err="1"/>
               <a:t>Shougang</a:t>
             </a:r>
             <a:r>
-              <a:rPr lang="en-US" dirty="0" smtClean="0"/>
+              <a:rPr lang="en-US" dirty="0"/>
               <a:t> Chen.</a:t>
             </a:r>
-            <a:endParaRPr lang="en-AU" dirty="0" smtClean="0"/>
-          </a:p>
-          <a:p>
             <a:endParaRPr lang="en-AU" dirty="0"/>
+          </a:p>
+          <a:p>
+            <a:endParaRPr lang="en-AU" dirty="0"/>
+          </a:p>
+        </p:txBody>
+      </p:sp>
+      <p:sp>
+        <p:nvSpPr>
+          <p:cNvPr id="7" name="Slide Number Placeholder 6"/>
+          <p:cNvSpPr>
+            <a:spLocks noGrp="1"/>
+          </p:cNvSpPr>
+          <p:nvPr>
+            <p:ph type="sldNum" sz="quarter" idx="12"/>
+          </p:nvPr>
+        </p:nvSpPr>
+        <p:spPr/>
+        <p:txBody>
+          <a:bodyPr/>
+          <a:lstStyle/>
+          <a:p>
+            <a:fld id="{85AD1932-6698-4CF4-A98F-694E3EF99D8E}" type="slidenum">
+              <a:rPr lang="en-AU" smtClean="0"/>
+              <a:t>12</a:t>
+            </a:fld>
+            <a:endParaRPr lang="en-AU"/>
+          </a:p>
+        </p:txBody>
+      </p:sp>
+      <p:sp>
+        <p:nvSpPr>
+          <p:cNvPr id="9" name="TextBox 8">
+            <a:extLst>
+              <a:ext uri="{FF2B5EF4-FFF2-40B4-BE49-F238E27FC236}">
+                <a16:creationId xmlns:a16="http://schemas.microsoft.com/office/drawing/2014/main" id="{5E02259F-F97D-4F22-A3B1-EF028377C76A}"/>
+              </a:ext>
+            </a:extLst>
+          </p:cNvPr>
+          <p:cNvSpPr txBox="1"/>
+          <p:nvPr/>
+        </p:nvSpPr>
+        <p:spPr>
+          <a:xfrm>
+            <a:off x="958442" y="1346631"/>
+            <a:ext cx="6094602" cy="369332"/>
+          </a:xfrm>
+          <a:prstGeom prst="rect">
+            <a:avLst/>
+          </a:prstGeom>
+          <a:noFill/>
+        </p:spPr>
+        <p:txBody>
+          <a:bodyPr wrap="square">
+            <a:spAutoFit/>
+          </a:bodyPr>
+          <a:lstStyle/>
+          <a:p>
+            <a:r>
+              <a:rPr lang="en-AU" b="0" dirty="0">
+                <a:solidFill>
+                  <a:schemeClr val="accent1"/>
+                </a:solidFill>
+                <a:effectLst/>
+                <a:latin typeface="Consolas" panose="020B0609020204030204" pitchFamily="49" charset="0"/>
+              </a:rPr>
+              <a:t>print(self.__</a:t>
+            </a:r>
+            <a:r>
+              <a:rPr lang="en-AU" b="0" dirty="0" err="1">
+                <a:solidFill>
+                  <a:schemeClr val="accent1"/>
+                </a:solidFill>
+                <a:effectLst/>
+                <a:latin typeface="Consolas" panose="020B0609020204030204" pitchFamily="49" charset="0"/>
+              </a:rPr>
+              <a:t>dict</a:t>
+            </a:r>
+            <a:r>
+              <a:rPr lang="en-AU" b="0" dirty="0">
+                <a:solidFill>
+                  <a:schemeClr val="accent1"/>
+                </a:solidFill>
+                <a:effectLst/>
+                <a:latin typeface="Consolas" panose="020B0609020204030204" pitchFamily="49" charset="0"/>
+              </a:rPr>
+              <a:t>__)</a:t>
+            </a:r>
           </a:p>
         </p:txBody>
       </p:sp>
       <p:pic>
         <p:nvPicPr>
-          <p:cNvPr id="3074" name="Picture 2" descr="Python Tricks Dictionary Merge"/>
+          <p:cNvPr id="11" name="Picture 10" descr="A screen shot of a computer&#10;&#10;Description automatically generated with low confidence">
+            <a:extLst>
+              <a:ext uri="{FF2B5EF4-FFF2-40B4-BE49-F238E27FC236}">
+                <a16:creationId xmlns:a16="http://schemas.microsoft.com/office/drawing/2014/main" id="{7D110AC7-F9D9-4162-92A9-1A96588D8BF8}"/>
+              </a:ext>
+            </a:extLst>
+          </p:cNvPr>
           <p:cNvPicPr>
-            <a:picLocks noChangeAspect="1" noChangeArrowheads="1"/>
+            <a:picLocks noChangeAspect="1"/>
           </p:cNvPicPr>
           <p:nvPr/>
         </p:nvPicPr>
@@ -4884,35 +4902,24 @@
               </a:ext>
             </a:extLst>
           </a:blip>
-          <a:srcRect/>
           <a:stretch>
             <a:fillRect/>
           </a:stretch>
         </p:blipFill>
-        <p:spPr bwMode="auto">
+        <p:spPr>
           <a:xfrm>
-            <a:off x="4274076" y="2669275"/>
-            <a:ext cx="4492199" cy="2982626"/>
+            <a:off x="2301937" y="2017606"/>
+            <a:ext cx="4534533" cy="2353003"/>
           </a:xfrm>
           <a:prstGeom prst="rect">
             <a:avLst/>
           </a:prstGeom>
-          <a:noFill/>
-          <a:extLst>
-            <a:ext uri="{909E8E84-426E-40DD-AFC4-6F175D3DCCD1}">
-              <a14:hiddenFill xmlns:a14="http://schemas.microsoft.com/office/drawing/2010/main">
-                <a:solidFill>
-                  <a:srgbClr val="FFFFFF"/>
-                </a:solidFill>
-              </a14:hiddenFill>
-            </a:ext>
-          </a:extLst>
         </p:spPr>
       </p:pic>
     </p:spTree>
     <p:extLst>
       <p:ext uri="{BB962C8B-B14F-4D97-AF65-F5344CB8AC3E}">
-        <p14:creationId xmlns:p14="http://schemas.microsoft.com/office/powerpoint/2010/main" val="1628365435"/>
+        <p14:creationId xmlns:p14="http://schemas.microsoft.com/office/powerpoint/2010/main" val="3034971689"/>
       </p:ext>
     </p:extLst>
   </p:cSld>
@@ -4954,6 +4961,10 @@
           <a:bodyPr/>
           <a:lstStyle/>
           <a:p>
+            <a:r>
+              <a:rPr lang="en-US" dirty="0"/>
+              <a:t>Step 3 : load data code</a:t>
+            </a:r>
             <a:endParaRPr lang="en-AU" dirty="0"/>
           </a:p>
         </p:txBody>
@@ -5004,32 +5015,98 @@
           <a:lstStyle/>
           <a:p>
             <a:r>
-              <a:rPr lang="en-US" dirty="0" smtClean="0"/>
+              <a:rPr lang="en-US" dirty="0"/>
               <a:t>The Python code and MySQL are developed by Teaching Assistant </a:t>
             </a:r>
             <a:r>
-              <a:rPr lang="en-US" dirty="0" err="1" smtClean="0"/>
+              <a:rPr lang="en-US" dirty="0" err="1"/>
               <a:t>Shougang</a:t>
             </a:r>
             <a:r>
-              <a:rPr lang="en-US" dirty="0" smtClean="0"/>
+              <a:rPr lang="en-US" dirty="0"/>
               <a:t> Chen.</a:t>
             </a:r>
-            <a:endParaRPr lang="en-AU" dirty="0" smtClean="0"/>
-          </a:p>
-          <a:p>
             <a:endParaRPr lang="en-AU" dirty="0"/>
           </a:p>
-        </p:txBody>
-      </p:sp>
-      <p:sp>
-        <p:nvSpPr>
-          <p:cNvPr id="8" name="Content Placeholder 7"/>
-          <p:cNvSpPr>
-            <a:spLocks noGrp="1"/>
-          </p:cNvSpPr>
-          <p:nvPr>
-            <p:ph idx="1"/>
+          <a:p>
+            <a:endParaRPr lang="en-AU" dirty="0"/>
+          </a:p>
+        </p:txBody>
+      </p:sp>
+      <p:pic>
+        <p:nvPicPr>
+          <p:cNvPr id="9" name="Picture 8" descr="Text&#10;&#10;Description automatically generated">
+            <a:extLst>
+              <a:ext uri="{FF2B5EF4-FFF2-40B4-BE49-F238E27FC236}">
+                <a16:creationId xmlns:a16="http://schemas.microsoft.com/office/drawing/2014/main" id="{6E150647-D3F5-46CB-85FB-8961167061C9}"/>
+              </a:ext>
+            </a:extLst>
+          </p:cNvPr>
+          <p:cNvPicPr>
+            <a:picLocks noChangeAspect="1"/>
+          </p:cNvPicPr>
+          <p:nvPr/>
+        </p:nvPicPr>
+        <p:blipFill>
+          <a:blip r:embed="rId2">
+            <a:extLst>
+              <a:ext uri="{28A0092B-C50C-407E-A947-70E740481C1C}">
+                <a14:useLocalDpi xmlns:a14="http://schemas.microsoft.com/office/drawing/2010/main" val="0"/>
+              </a:ext>
+            </a:extLst>
+          </a:blip>
+          <a:stretch>
+            <a:fillRect/>
+          </a:stretch>
+        </p:blipFill>
+        <p:spPr>
+          <a:xfrm>
+            <a:off x="2133047" y="1738076"/>
+            <a:ext cx="7925906" cy="3381847"/>
+          </a:xfrm>
+          <a:prstGeom prst="rect">
+            <a:avLst/>
+          </a:prstGeom>
+        </p:spPr>
+      </p:pic>
+    </p:spTree>
+    <p:extLst>
+      <p:ext uri="{BB962C8B-B14F-4D97-AF65-F5344CB8AC3E}">
+        <p14:creationId xmlns:p14="http://schemas.microsoft.com/office/powerpoint/2010/main" val="1628365435"/>
+      </p:ext>
+    </p:extLst>
+  </p:cSld>
+  <p:clrMapOvr>
+    <a:masterClrMapping/>
+  </p:clrMapOvr>
+</p:sld>
+</file>
+
+<file path=ppt/slides/slide14.xml><?xml version="1.0" encoding="utf-8"?>
+<p:sld xmlns:a="http://schemas.openxmlformats.org/drawingml/2006/main" xmlns:r="http://schemas.openxmlformats.org/officeDocument/2006/relationships" xmlns:p="http://schemas.openxmlformats.org/presentationml/2006/main">
+  <p:cSld>
+    <p:spTree>
+      <p:nvGrpSpPr>
+        <p:cNvPr id="1" name=""/>
+        <p:cNvGrpSpPr/>
+        <p:nvPr/>
+      </p:nvGrpSpPr>
+      <p:grpSpPr>
+        <a:xfrm>
+          <a:off x="0" y="0"/>
+          <a:ext cx="0" cy="0"/>
+          <a:chOff x="0" y="0"/>
+          <a:chExt cx="0" cy="0"/>
+        </a:xfrm>
+      </p:grpSpPr>
+      <p:sp>
+        <p:nvSpPr>
+          <p:cNvPr id="2" name="Title 1"/>
+          <p:cNvSpPr>
+            <a:spLocks noGrp="1"/>
+          </p:cNvSpPr>
+          <p:nvPr>
+            <p:ph type="title"/>
           </p:nvPr>
         </p:nvSpPr>
         <p:spPr/>
@@ -5037,7 +5114,146 @@
           <a:bodyPr/>
           <a:lstStyle/>
           <a:p>
+            <a:r>
+              <a:rPr lang="en-US" dirty="0"/>
+              <a:t>Step 3 : load data result</a:t>
+            </a:r>
+            <a:endParaRPr lang="en-AU" dirty="0"/>
+          </a:p>
+        </p:txBody>
+      </p:sp>
+      <p:sp>
+        <p:nvSpPr>
+          <p:cNvPr id="6" name="Slide Number Placeholder 5"/>
+          <p:cNvSpPr>
+            <a:spLocks noGrp="1"/>
+          </p:cNvSpPr>
+          <p:nvPr>
+            <p:ph type="sldNum" sz="quarter" idx="12"/>
+          </p:nvPr>
+        </p:nvSpPr>
+        <p:spPr/>
+        <p:txBody>
+          <a:bodyPr/>
+          <a:lstStyle/>
+          <a:p>
+            <a:fld id="{85AD1932-6698-4CF4-A98F-694E3EF99D8E}" type="slidenum">
+              <a:rPr lang="en-AU" smtClean="0"/>
+              <a:t>14</a:t>
+            </a:fld>
             <a:endParaRPr lang="en-AU"/>
+          </a:p>
+        </p:txBody>
+      </p:sp>
+      <p:sp>
+        <p:nvSpPr>
+          <p:cNvPr id="7" name="TextBox 6"/>
+          <p:cNvSpPr txBox="1"/>
+          <p:nvPr/>
+        </p:nvSpPr>
+        <p:spPr>
+          <a:xfrm>
+            <a:off x="729147" y="6174799"/>
+            <a:ext cx="7881453" cy="646331"/>
+          </a:xfrm>
+          <a:prstGeom prst="rect">
+            <a:avLst/>
+          </a:prstGeom>
+          <a:noFill/>
+        </p:spPr>
+        <p:txBody>
+          <a:bodyPr wrap="none" rtlCol="0">
+            <a:spAutoFit/>
+          </a:bodyPr>
+          <a:lstStyle/>
+          <a:p>
+            <a:r>
+              <a:rPr lang="en-US" dirty="0"/>
+              <a:t>The Python code and MySQL are developed by Teaching Assistant </a:t>
+            </a:r>
+            <a:r>
+              <a:rPr lang="en-US" dirty="0" err="1"/>
+              <a:t>Shougang</a:t>
+            </a:r>
+            <a:r>
+              <a:rPr lang="en-US" dirty="0"/>
+              <a:t> Chen.</a:t>
+            </a:r>
+            <a:endParaRPr lang="en-AU" dirty="0"/>
+          </a:p>
+          <a:p>
+            <a:endParaRPr lang="en-AU" dirty="0"/>
+          </a:p>
+        </p:txBody>
+      </p:sp>
+      <p:pic>
+        <p:nvPicPr>
+          <p:cNvPr id="4" name="Picture 3" descr="Graphical user interface, table&#10;&#10;Description automatically generated">
+            <a:extLst>
+              <a:ext uri="{FF2B5EF4-FFF2-40B4-BE49-F238E27FC236}">
+                <a16:creationId xmlns:a16="http://schemas.microsoft.com/office/drawing/2014/main" id="{641CEDCE-CCDD-4CE8-94A9-D5EE0904575A}"/>
+              </a:ext>
+            </a:extLst>
+          </p:cNvPr>
+          <p:cNvPicPr>
+            <a:picLocks noChangeAspect="1"/>
+          </p:cNvPicPr>
+          <p:nvPr/>
+        </p:nvPicPr>
+        <p:blipFill>
+          <a:blip r:embed="rId2">
+            <a:extLst>
+              <a:ext uri="{28A0092B-C50C-407E-A947-70E740481C1C}">
+                <a14:useLocalDpi xmlns:a14="http://schemas.microsoft.com/office/drawing/2010/main" val="0"/>
+              </a:ext>
+            </a:extLst>
+          </a:blip>
+          <a:stretch>
+            <a:fillRect/>
+          </a:stretch>
+        </p:blipFill>
+        <p:spPr>
+          <a:xfrm>
+            <a:off x="0" y="2139983"/>
+            <a:ext cx="12192000" cy="3945009"/>
+          </a:xfrm>
+          <a:prstGeom prst="rect">
+            <a:avLst/>
+          </a:prstGeom>
+        </p:spPr>
+      </p:pic>
+      <p:sp>
+        <p:nvSpPr>
+          <p:cNvPr id="9" name="TextBox 8">
+            <a:extLst>
+              <a:ext uri="{FF2B5EF4-FFF2-40B4-BE49-F238E27FC236}">
+                <a16:creationId xmlns:a16="http://schemas.microsoft.com/office/drawing/2014/main" id="{DDD59388-AC44-4505-AF6A-4672274C9BD2}"/>
+              </a:ext>
+            </a:extLst>
+          </p:cNvPr>
+          <p:cNvSpPr txBox="1"/>
+          <p:nvPr/>
+        </p:nvSpPr>
+        <p:spPr>
+          <a:xfrm>
+            <a:off x="276138" y="1468190"/>
+            <a:ext cx="11015444" cy="369332"/>
+          </a:xfrm>
+          <a:prstGeom prst="rect">
+            <a:avLst/>
+          </a:prstGeom>
+          <a:noFill/>
+        </p:spPr>
+        <p:txBody>
+          <a:bodyPr wrap="square">
+            <a:spAutoFit/>
+          </a:bodyPr>
+          <a:lstStyle/>
+          <a:p>
+            <a:r>
+              <a:rPr lang="en-AU" dirty="0"/>
+              <a:t>SELECT * FROM sql6430075.fact_Maintenance_Contractor_Payment;</a:t>
+            </a:r>
           </a:p>
         </p:txBody>
       </p:sp>
@@ -5094,12 +5310,12 @@
           <a:lstStyle/>
           <a:p>
             <a:r>
-              <a:rPr lang="en-US" altLang="zh-CN" dirty="0" smtClean="0">
+              <a:rPr lang="en-US" altLang="zh-CN" dirty="0">
                 <a:ea typeface="宋体" panose="02010600030101010101" pitchFamily="2" charset="-122"/>
               </a:rPr>
               <a:t>ETL  </a:t>
             </a:r>
-            <a:endParaRPr lang="en-AU" altLang="en-US" dirty="0" smtClean="0"/>
+            <a:endParaRPr lang="en-AU" altLang="en-US" dirty="0"/>
           </a:p>
         </p:txBody>
       </p:sp>
@@ -5149,23 +5365,15 @@
             </a:pPr>
             <a:r>
               <a:rPr lang="en-AU" dirty="0"/>
-              <a:t>Cleaning </a:t>
-            </a:r>
-            <a:r>
-              <a:rPr lang="en-AU" dirty="0" smtClean="0"/>
-              <a:t>and </a:t>
-            </a:r>
-            <a:r>
-              <a:rPr lang="en-AU" dirty="0" err="1" smtClean="0"/>
+              <a:t>Cleaning and </a:t>
+            </a:r>
+            <a:r>
+              <a:rPr lang="en-AU" dirty="0" err="1"/>
               <a:t>reformating</a:t>
             </a:r>
             <a:r>
-              <a:rPr lang="en-AU" dirty="0" smtClean="0"/>
-              <a:t> data </a:t>
-            </a:r>
-            <a:r>
               <a:rPr lang="en-AU" dirty="0"/>
-              <a:t>before loading into data warehouse.</a:t>
+              <a:t> data before loading into data warehouse.</a:t>
             </a:r>
           </a:p>
           <a:p>
@@ -5512,10 +5720,10 @@
           <a:lstStyle/>
           <a:p>
             <a:r>
-              <a:rPr lang="en-US" altLang="en-US" smtClean="0"/>
+              <a:rPr lang="en-US" altLang="en-US"/>
               <a:t>Project example - ETL</a:t>
             </a:r>
-            <a:endParaRPr lang="en-AU" altLang="en-US" smtClean="0"/>
+            <a:endParaRPr lang="en-AU" altLang="en-US"/>
           </a:p>
         </p:txBody>
       </p:sp>
@@ -5540,10 +5748,10 @@
           <a:lstStyle/>
           <a:p>
             <a:r>
-              <a:rPr lang="en-US" altLang="en-US" dirty="0" smtClean="0"/>
+              <a:rPr lang="en-US" altLang="en-US" dirty="0"/>
               <a:t>Use Python       </a:t>
             </a:r>
-            <a:endParaRPr lang="en-AU" altLang="en-US" dirty="0" smtClean="0"/>
+            <a:endParaRPr lang="en-AU" altLang="en-US" dirty="0"/>
           </a:p>
         </p:txBody>
       </p:sp>
@@ -5682,7 +5890,7 @@
           </a:lstStyle>
           <a:p>
             <a:r>
-              <a:rPr lang="en-AU" altLang="en-US" smtClean="0">
+              <a:rPr lang="en-AU" altLang="en-US">
                 <a:latin typeface="Comic Sans MS" panose="030F0702030302020204" pitchFamily="66" charset="0"/>
               </a:rPr>
               <a:t>Page </a:t>
@@ -5694,7 +5902,7 @@
               <a:pPr/>
               <a:t>3</a:t>
             </a:fld>
-            <a:endParaRPr lang="en-AU" altLang="en-US" smtClean="0">
+            <a:endParaRPr lang="en-AU" altLang="en-US">
               <a:latin typeface="Comic Sans MS" panose="030F0702030302020204" pitchFamily="66" charset="0"/>
             </a:endParaRPr>
           </a:p>
@@ -6298,10 +6506,10 @@
           <a:lstStyle/>
           <a:p>
             <a:r>
-              <a:rPr lang="en-US" altLang="en-US" dirty="0" smtClean="0"/>
+              <a:rPr lang="en-US" altLang="en-US" dirty="0"/>
               <a:t>Example 1 - Extract data from excel file</a:t>
             </a:r>
-            <a:endParaRPr lang="en-AU" altLang="en-US" dirty="0" smtClean="0"/>
+            <a:endParaRPr lang="en-AU" altLang="en-US" dirty="0"/>
           </a:p>
         </p:txBody>
       </p:sp>
@@ -6554,6 +6762,14 @@
 <file path=ppt/slides/slide5.xml><?xml version="1.0" encoding="utf-8"?>
 <p:sld xmlns:a="http://schemas.openxmlformats.org/drawingml/2006/main" xmlns:r="http://schemas.openxmlformats.org/officeDocument/2006/relationships" xmlns:p="http://schemas.openxmlformats.org/presentationml/2006/main">
   <p:cSld>
+    <p:bg>
+      <p:bgPr>
+        <a:solidFill>
+          <a:schemeClr val="bg1"/>
+        </a:solidFill>
+        <a:effectLst/>
+      </p:bgPr>
+    </p:bg>
     <p:spTree>
       <p:nvGrpSpPr>
         <p:cNvPr id="1" name=""/>
@@ -6570,141 +6786,230 @@
       </p:grpSpPr>
       <p:sp>
         <p:nvSpPr>
-          <p:cNvPr id="2" name="Title 1"/>
+          <p:cNvPr id="73" name="Down Arrow 7">
+            <a:extLst>
+              <a:ext uri="{FF2B5EF4-FFF2-40B4-BE49-F238E27FC236}">
+                <a16:creationId xmlns:a16="http://schemas.microsoft.com/office/drawing/2014/main" id="{D4771268-CB57-404A-9271-370EB28F6090}"/>
+              </a:ext>
+              <a:ext uri="{C183D7F6-B498-43B3-948B-1728B52AA6E4}">
+                <adec:decorative xmlns:adec="http://schemas.microsoft.com/office/drawing/2017/decorative" val="1"/>
+              </a:ext>
+            </a:extLst>
+          </p:cNvPr>
+          <p:cNvSpPr>
+            <a:spLocks noGrp="1" noRot="1" noChangeAspect="1" noMove="1" noResize="1" noEditPoints="1" noAdjustHandles="1" noChangeArrowheads="1" noChangeShapeType="1" noTextEdit="1"/>
+          </p:cNvSpPr>
+          <p:nvPr>
+            <p:extLst>
+              <p:ext uri="{386F3935-93C4-4BCD-93E2-E3B085C9AB24}">
+                <p16:designElem xmlns:p16="http://schemas.microsoft.com/office/powerpoint/2015/main" val="1"/>
+              </p:ext>
+            </p:extLst>
+          </p:nvPr>
+        </p:nvSpPr>
+        <p:spPr>
+          <a:xfrm rot="16200000">
+            <a:off x="800100" y="1491343"/>
+            <a:ext cx="3333749" cy="3499103"/>
+          </a:xfrm>
+          <a:prstGeom prst="downArrow">
+            <a:avLst>
+              <a:gd name="adj1" fmla="val 100000"/>
+              <a:gd name="adj2" fmla="val 15788"/>
+            </a:avLst>
+          </a:prstGeom>
+          <a:solidFill>
+            <a:srgbClr val="404040"/>
+          </a:solidFill>
+          <a:ln w="53975">
+            <a:noFill/>
+          </a:ln>
+        </p:spPr>
+        <p:style>
+          <a:lnRef idx="2">
+            <a:schemeClr val="accent1">
+              <a:shade val="50000"/>
+            </a:schemeClr>
+          </a:lnRef>
+          <a:fillRef idx="1">
+            <a:schemeClr val="accent1"/>
+          </a:fillRef>
+          <a:effectRef idx="0">
+            <a:schemeClr val="accent1"/>
+          </a:effectRef>
+          <a:fontRef idx="minor">
+            <a:schemeClr val="lt1"/>
+          </a:fontRef>
+        </p:style>
+        <p:txBody>
+          <a:bodyPr rtlCol="0" anchor="ctr"/>
+          <a:lstStyle/>
+          <a:p>
+            <a:pPr algn="ctr"/>
+            <a:endParaRPr lang="en-US"/>
+          </a:p>
+        </p:txBody>
+      </p:sp>
+      <p:sp>
+        <p:nvSpPr>
+          <p:cNvPr id="2" name="Title 1">
+            <a:extLst>
+              <a:ext uri="{FF2B5EF4-FFF2-40B4-BE49-F238E27FC236}">
+                <a16:creationId xmlns:a16="http://schemas.microsoft.com/office/drawing/2014/main" id="{106AF87C-6308-47F1-AB2C-B15E44EBEA83}"/>
+              </a:ext>
+            </a:extLst>
+          </p:cNvPr>
           <p:cNvSpPr>
             <a:spLocks noGrp="1"/>
           </p:cNvSpPr>
           <p:nvPr>
             <p:ph type="title"/>
-          </p:nvPr>
-        </p:nvSpPr>
-        <p:spPr/>
-        <p:txBody>
-          <a:bodyPr/>
-          <a:lstStyle/>
-          <a:p>
-            <a:r>
-              <a:rPr lang="en-US" dirty="0" smtClean="0"/>
-              <a:t>Step 1 : ----</a:t>
-            </a:r>
-            <a:endParaRPr lang="en-AU" dirty="0"/>
-          </a:p>
-        </p:txBody>
-      </p:sp>
-      <p:sp>
-        <p:nvSpPr>
-          <p:cNvPr id="3" name="Content Placeholder 2"/>
-          <p:cNvSpPr>
-            <a:spLocks noGrp="1"/>
-          </p:cNvSpPr>
-          <p:nvPr>
-            <p:ph idx="1"/>
           </p:nvPr>
         </p:nvSpPr>
         <p:spPr>
           <a:xfrm>
-            <a:off x="838200" y="1825625"/>
-            <a:ext cx="8693727" cy="4351338"/>
+            <a:off x="1028700" y="1967266"/>
+            <a:ext cx="2628900" cy="2547257"/>
           </a:xfrm>
+          <a:noFill/>
         </p:spPr>
         <p:txBody>
-          <a:bodyPr/>
-          <a:lstStyle/>
-          <a:p>
-            <a:r>
-              <a:rPr lang="en-US" dirty="0" smtClean="0"/>
-              <a:t>Description </a:t>
-            </a:r>
-          </a:p>
-          <a:p>
-            <a:endParaRPr lang="en-US" dirty="0"/>
-          </a:p>
-          <a:p>
-            <a:endParaRPr lang="en-US" dirty="0" smtClean="0"/>
-          </a:p>
-          <a:p>
-            <a:endParaRPr lang="en-US" dirty="0"/>
-          </a:p>
-          <a:p>
-            <a:endParaRPr lang="en-US" dirty="0" smtClean="0"/>
-          </a:p>
-          <a:p>
-            <a:r>
-              <a:rPr lang="en-US" dirty="0" smtClean="0"/>
-              <a:t>Python code </a:t>
-            </a:r>
-            <a:endParaRPr lang="en-AU" dirty="0"/>
-          </a:p>
-        </p:txBody>
-      </p:sp>
-      <p:sp>
-        <p:nvSpPr>
-          <p:cNvPr id="6" name="Slide Number Placeholder 5"/>
-          <p:cNvSpPr>
-            <a:spLocks noGrp="1"/>
-          </p:cNvSpPr>
-          <p:nvPr>
-            <p:ph type="sldNum" sz="quarter" idx="12"/>
-          </p:nvPr>
-        </p:nvSpPr>
-        <p:spPr/>
-        <p:txBody>
-          <a:bodyPr/>
-          <a:lstStyle/>
-          <a:p>
-            <a:fld id="{85AD1932-6698-4CF4-A98F-694E3EF99D8E}" type="slidenum">
-              <a:rPr lang="en-AU" smtClean="0"/>
-              <a:t>5</a:t>
-            </a:fld>
-            <a:endParaRPr lang="en-AU"/>
-          </a:p>
-        </p:txBody>
-      </p:sp>
-      <p:sp>
-        <p:nvSpPr>
-          <p:cNvPr id="7" name="TextBox 6"/>
-          <p:cNvSpPr txBox="1"/>
+          <a:bodyPr vert="horz" lIns="91440" tIns="45720" rIns="91440" bIns="45720" rtlCol="0" anchor="ctr">
+            <a:normAutofit/>
+          </a:bodyPr>
+          <a:lstStyle/>
+          <a:p>
+            <a:pPr algn="ctr"/>
+            <a:r>
+              <a:rPr lang="en-US" altLang="en-US" sz="3600" kern="1200" dirty="0">
+                <a:solidFill>
+                  <a:srgbClr val="FFFFFF"/>
+                </a:solidFill>
+                <a:latin typeface="+mj-lt"/>
+                <a:ea typeface="+mj-ea"/>
+                <a:cs typeface="+mj-cs"/>
+              </a:rPr>
+              <a:t>Example Hierarchy</a:t>
+            </a:r>
+            <a:endParaRPr lang="en-US" sz="3600" kern="1200" dirty="0">
+              <a:solidFill>
+                <a:srgbClr val="FFFFFF"/>
+              </a:solidFill>
+              <a:latin typeface="+mj-lt"/>
+              <a:ea typeface="+mj-ea"/>
+              <a:cs typeface="+mj-cs"/>
+            </a:endParaRPr>
+          </a:p>
+        </p:txBody>
+      </p:sp>
+      <p:pic>
+        <p:nvPicPr>
+          <p:cNvPr id="1028" name="Picture 4">
+            <a:extLst>
+              <a:ext uri="{FF2B5EF4-FFF2-40B4-BE49-F238E27FC236}">
+                <a16:creationId xmlns:a16="http://schemas.microsoft.com/office/drawing/2014/main" id="{99DB2D31-29E4-45EF-BC54-A59759A7042D}"/>
+              </a:ext>
+            </a:extLst>
+          </p:cNvPr>
+          <p:cNvPicPr>
+            <a:picLocks noChangeAspect="1" noChangeArrowheads="1"/>
+          </p:cNvPicPr>
           <p:nvPr/>
-        </p:nvSpPr>
-        <p:spPr>
+        </p:nvPicPr>
+        <p:blipFill>
+          <a:blip r:embed="rId2">
+            <a:extLst>
+              <a:ext uri="{28A0092B-C50C-407E-A947-70E740481C1C}">
+                <a14:useLocalDpi xmlns:a14="http://schemas.microsoft.com/office/drawing/2010/main" val="0"/>
+              </a:ext>
+            </a:extLst>
+          </a:blip>
+          <a:stretch>
+            <a:fillRect/>
+          </a:stretch>
+        </p:blipFill>
+        <p:spPr bwMode="auto">
           <a:xfrm>
-            <a:off x="729147" y="6174799"/>
-            <a:ext cx="7881453" cy="646331"/>
+            <a:off x="5130172" y="643466"/>
+            <a:ext cx="6074988" cy="5568739"/>
           </a:xfrm>
           <a:prstGeom prst="rect">
             <a:avLst/>
           </a:prstGeom>
           <a:noFill/>
+          <a:extLst>
+            <a:ext uri="{909E8E84-426E-40DD-AFC4-6F175D3DCCD1}">
+              <a14:hiddenFill xmlns:a14="http://schemas.microsoft.com/office/drawing/2010/main">
+                <a:solidFill>
+                  <a:srgbClr val="FFFFFF"/>
+                </a:solidFill>
+              </a14:hiddenFill>
+            </a:ext>
+          </a:extLst>
         </p:spPr>
-        <p:txBody>
-          <a:bodyPr wrap="none" rtlCol="0">
-            <a:spAutoFit/>
+      </p:pic>
+      <p:sp>
+        <p:nvSpPr>
+          <p:cNvPr id="4" name="Slide Number Placeholder 3">
+            <a:extLst>
+              <a:ext uri="{FF2B5EF4-FFF2-40B4-BE49-F238E27FC236}">
+                <a16:creationId xmlns:a16="http://schemas.microsoft.com/office/drawing/2014/main" id="{ECF23639-EF0D-4E14-A89F-B7435263204A}"/>
+              </a:ext>
+            </a:extLst>
+          </p:cNvPr>
+          <p:cNvSpPr>
+            <a:spLocks noGrp="1"/>
+          </p:cNvSpPr>
+          <p:nvPr>
+            <p:ph type="sldNum" sz="quarter" idx="12"/>
+          </p:nvPr>
+        </p:nvSpPr>
+        <p:spPr>
+          <a:xfrm>
+            <a:off x="11034184" y="6356350"/>
+            <a:ext cx="514349" cy="365125"/>
+          </a:xfrm>
+        </p:spPr>
+        <p:txBody>
+          <a:bodyPr vert="horz" lIns="91440" tIns="45720" rIns="91440" bIns="45720" rtlCol="0" anchor="ctr">
+            <a:normAutofit/>
           </a:bodyPr>
           <a:lstStyle/>
           <a:p>
-            <a:r>
-              <a:rPr lang="en-US" dirty="0" smtClean="0"/>
-              <a:t>The Python code and MySQL are developed by Teaching Assistant </a:t>
-            </a:r>
-            <a:r>
-              <a:rPr lang="en-US" dirty="0" err="1" smtClean="0"/>
-              <a:t>Shougang</a:t>
-            </a:r>
-            <a:r>
-              <a:rPr lang="en-US" dirty="0" smtClean="0"/>
-              <a:t> Chen.</a:t>
-            </a:r>
-            <a:endParaRPr lang="en-AU" dirty="0" smtClean="0"/>
-          </a:p>
-          <a:p>
-            <a:endParaRPr lang="en-AU" dirty="0"/>
+            <a:pPr>
+              <a:spcAft>
+                <a:spcPts val="600"/>
+              </a:spcAft>
+            </a:pPr>
+            <a:fld id="{85AD1932-6698-4CF4-A98F-694E3EF99D8E}" type="slidenum">
+              <a:rPr lang="en-US">
+                <a:solidFill>
+                  <a:schemeClr val="tx1">
+                    <a:alpha val="80000"/>
+                  </a:schemeClr>
+                </a:solidFill>
+              </a:rPr>
+              <a:pPr>
+                <a:spcAft>
+                  <a:spcPts val="600"/>
+                </a:spcAft>
+              </a:pPr>
+              <a:t>5</a:t>
+            </a:fld>
+            <a:endParaRPr lang="en-US">
+              <a:solidFill>
+                <a:schemeClr val="tx1">
+                  <a:alpha val="80000"/>
+                </a:schemeClr>
+              </a:solidFill>
+            </a:endParaRPr>
           </a:p>
         </p:txBody>
       </p:sp>
     </p:spTree>
     <p:extLst>
       <p:ext uri="{BB962C8B-B14F-4D97-AF65-F5344CB8AC3E}">
-        <p14:creationId xmlns:p14="http://schemas.microsoft.com/office/powerpoint/2010/main" val="36512489"/>
+        <p14:creationId xmlns:p14="http://schemas.microsoft.com/office/powerpoint/2010/main" val="1530840886"/>
       </p:ext>
     </p:extLst>
   </p:cSld>
@@ -6741,43 +7046,91 @@
             <p:ph type="title"/>
           </p:nvPr>
         </p:nvSpPr>
+        <p:spPr/>
+        <p:txBody>
+          <a:bodyPr/>
+          <a:lstStyle/>
+          <a:p>
+            <a:r>
+              <a:rPr lang="en-US" dirty="0"/>
+              <a:t>Prepare development environment</a:t>
+            </a:r>
+            <a:endParaRPr lang="en-AU" dirty="0"/>
+          </a:p>
+        </p:txBody>
+      </p:sp>
+      <p:sp>
+        <p:nvSpPr>
+          <p:cNvPr id="3" name="Content Placeholder 2"/>
+          <p:cNvSpPr>
+            <a:spLocks noGrp="1"/>
+          </p:cNvSpPr>
+          <p:nvPr>
+            <p:ph idx="1"/>
+          </p:nvPr>
+        </p:nvSpPr>
         <p:spPr>
           <a:xfrm>
-            <a:off x="443345" y="314037"/>
-            <a:ext cx="10910455" cy="1376652"/>
+            <a:off x="838200" y="1825625"/>
+            <a:ext cx="8693727" cy="4351338"/>
           </a:xfrm>
         </p:spPr>
         <p:txBody>
           <a:bodyPr>
-            <a:normAutofit fontScale="90000"/>
+            <a:normAutofit/>
           </a:bodyPr>
           <a:lstStyle/>
           <a:p>
             <a:r>
-              <a:rPr lang="en-US" dirty="0" smtClean="0"/>
-              <a:t>Step 1-  Results </a:t>
-            </a:r>
-            <a:br>
-              <a:rPr lang="en-US" dirty="0" smtClean="0"/>
-            </a:br>
-            <a:r>
-              <a:rPr lang="en-US" dirty="0" smtClean="0"/>
-              <a:t/>
-            </a:r>
-            <a:br>
-              <a:rPr lang="en-US" dirty="0" smtClean="0"/>
-            </a:br>
-            <a:r>
-              <a:rPr lang="en-US" dirty="0" smtClean="0"/>
-              <a:t>Screenshot </a:t>
-            </a:r>
+              <a:rPr lang="en-US" dirty="0"/>
+              <a:t>Anaconda: set up python env and manage packages</a:t>
+            </a:r>
+          </a:p>
+          <a:p>
+            <a:r>
+              <a:rPr lang="en-US" dirty="0"/>
+              <a:t>VS Code or PyCharm: choose whatever IDE you like</a:t>
+            </a:r>
+          </a:p>
+          <a:p>
+            <a:r>
+              <a:rPr lang="en-US" dirty="0" err="1"/>
+              <a:t>Github</a:t>
+            </a:r>
+            <a:r>
+              <a:rPr lang="en-US" dirty="0"/>
+              <a:t>: set up a git repository</a:t>
+            </a:r>
+          </a:p>
+          <a:p>
+            <a:r>
+              <a:rPr lang="en-US" dirty="0"/>
+              <a:t>MySQL Workbench: choose a MySQL client</a:t>
+            </a:r>
+          </a:p>
+          <a:p>
+            <a:pPr marL="0" indent="0">
+              <a:buNone/>
+            </a:pPr>
+            <a:endParaRPr lang="en-US" dirty="0"/>
+          </a:p>
+          <a:p>
+            <a:r>
+              <a:rPr lang="en-US" dirty="0"/>
+              <a:t>Scripts:</a:t>
+            </a:r>
+          </a:p>
+          <a:p>
+            <a:pPr marL="0" indent="0">
+              <a:buNone/>
+            </a:pPr>
             <a:endParaRPr lang="en-AU" dirty="0"/>
           </a:p>
         </p:txBody>
       </p:sp>
       <p:sp>
         <p:nvSpPr>
-          <p:cNvPr id="4" name="Slide Number Placeholder 3"/>
+          <p:cNvPr id="6" name="Slide Number Placeholder 5"/>
           <p:cNvSpPr>
             <a:spLocks noGrp="1"/>
           </p:cNvSpPr>
@@ -6798,52 +7151,9 @@
           </a:p>
         </p:txBody>
       </p:sp>
-      <p:pic>
-        <p:nvPicPr>
-          <p:cNvPr id="1026" name="Picture 2" descr="Binder"/>
-          <p:cNvPicPr>
-            <a:picLocks noGrp="1" noChangeAspect="1" noChangeArrowheads="1"/>
-          </p:cNvPicPr>
-          <p:nvPr>
-            <p:ph idx="1"/>
-          </p:nvPr>
-        </p:nvPicPr>
-        <p:blipFill>
-          <a:blip r:embed="rId2">
-            <a:extLst>
-              <a:ext uri="{28A0092B-C50C-407E-A947-70E740481C1C}">
-                <a14:useLocalDpi xmlns:a14="http://schemas.microsoft.com/office/drawing/2010/main" val="0"/>
-              </a:ext>
-            </a:extLst>
-          </a:blip>
-          <a:srcRect/>
-          <a:stretch>
-            <a:fillRect/>
-          </a:stretch>
-        </p:blipFill>
-        <p:spPr bwMode="auto">
-          <a:xfrm>
-            <a:off x="3984018" y="1312285"/>
-            <a:ext cx="5535527" cy="4351338"/>
-          </a:xfrm>
-          <a:prstGeom prst="rect">
-            <a:avLst/>
-          </a:prstGeom>
-          <a:noFill/>
-          <a:extLst>
-            <a:ext uri="{909E8E84-426E-40DD-AFC4-6F175D3DCCD1}">
-              <a14:hiddenFill xmlns:a14="http://schemas.microsoft.com/office/drawing/2010/main">
-                <a:solidFill>
-                  <a:srgbClr val="FFFFFF"/>
-                </a:solidFill>
-              </a14:hiddenFill>
-            </a:ext>
-          </a:extLst>
-        </p:spPr>
-      </p:pic>
-      <p:sp>
-        <p:nvSpPr>
-          <p:cNvPr id="6" name="TextBox 5"/>
+      <p:sp>
+        <p:nvSpPr>
+          <p:cNvPr id="7" name="TextBox 6"/>
           <p:cNvSpPr txBox="1"/>
           <p:nvPr/>
         </p:nvSpPr>
@@ -6864,28 +7174,304 @@
           <a:lstStyle/>
           <a:p>
             <a:r>
-              <a:rPr lang="en-US" dirty="0" smtClean="0"/>
+              <a:rPr lang="en-US" dirty="0"/>
               <a:t>The Python code and MySQL are developed by Teaching Assistant </a:t>
             </a:r>
             <a:r>
-              <a:rPr lang="en-US" dirty="0" err="1" smtClean="0"/>
+              <a:rPr lang="en-US" dirty="0" err="1"/>
               <a:t>Shougang</a:t>
             </a:r>
             <a:r>
-              <a:rPr lang="en-US" dirty="0" smtClean="0"/>
+              <a:rPr lang="en-US" dirty="0"/>
               <a:t> Chen.</a:t>
             </a:r>
-            <a:endParaRPr lang="en-AU" dirty="0" smtClean="0"/>
-          </a:p>
-          <a:p>
             <a:endParaRPr lang="en-AU" dirty="0"/>
           </a:p>
-        </p:txBody>
-      </p:sp>
+          <a:p>
+            <a:endParaRPr lang="en-AU" dirty="0"/>
+          </a:p>
+        </p:txBody>
+      </p:sp>
+      <p:sp>
+        <p:nvSpPr>
+          <p:cNvPr id="4" name="Rectangle 1">
+            <a:extLst>
+              <a:ext uri="{FF2B5EF4-FFF2-40B4-BE49-F238E27FC236}">
+                <a16:creationId xmlns:a16="http://schemas.microsoft.com/office/drawing/2014/main" id="{247B2BF5-4D42-4E58-849D-18E0A2613D04}"/>
+              </a:ext>
+            </a:extLst>
+          </p:cNvPr>
+          <p:cNvSpPr>
+            <a:spLocks noChangeArrowheads="1"/>
+          </p:cNvSpPr>
+          <p:nvPr/>
+        </p:nvSpPr>
+        <p:spPr bwMode="auto">
+          <a:xfrm>
+            <a:off x="0" y="0"/>
+            <a:ext cx="12192000" cy="457200"/>
+          </a:xfrm>
+          <a:prstGeom prst="rect">
+            <a:avLst/>
+          </a:prstGeom>
+          <a:noFill/>
+          <a:ln>
+            <a:noFill/>
+          </a:ln>
+          <a:effectLst/>
+          <a:extLst>
+            <a:ext uri="{909E8E84-426E-40DD-AFC4-6F175D3DCCD1}">
+              <a14:hiddenFill xmlns:a14="http://schemas.microsoft.com/office/drawing/2010/main">
+                <a:solidFill>
+                  <a:schemeClr val="accent1"/>
+                </a:solidFill>
+              </a14:hiddenFill>
+            </a:ext>
+            <a:ext uri="{91240B29-F687-4F45-9708-019B960494DF}">
+              <a14:hiddenLine xmlns:a14="http://schemas.microsoft.com/office/drawing/2010/main" w="9525">
+                <a:solidFill>
+                  <a:schemeClr val="tx1"/>
+                </a:solidFill>
+                <a:miter lim="800000"/>
+                <a:headEnd/>
+                <a:tailEnd/>
+              </a14:hiddenLine>
+            </a:ext>
+            <a:ext uri="{AF507438-7753-43E0-B8FC-AC1667EBCBE1}">
+              <a14:hiddenEffects xmlns:a14="http://schemas.microsoft.com/office/drawing/2010/main">
+                <a:effectLst>
+                  <a:outerShdw dist="35921" dir="2700000" algn="ctr" rotWithShape="0">
+                    <a:schemeClr val="bg2"/>
+                  </a:outerShdw>
+                </a:effectLst>
+              </a14:hiddenEffects>
+            </a:ext>
+          </a:extLst>
+        </p:spPr>
+        <p:txBody>
+          <a:bodyPr vert="horz" wrap="none" lIns="91440" tIns="0" rIns="91440" bIns="0" numCol="1" anchor="ctr" anchorCtr="0" compatLnSpc="1">
+            <a:prstTxWarp prst="textNoShape">
+              <a:avLst/>
+            </a:prstTxWarp>
+            <a:spAutoFit/>
+          </a:bodyPr>
+          <a:lstStyle/>
+          <a:p>
+            <a:pPr marL="0" marR="0" lvl="0" indent="0" algn="l" defTabSz="914400" rtl="0" eaLnBrk="0" fontAlgn="base" latinLnBrk="0" hangingPunct="0">
+              <a:lnSpc>
+                <a:spcPct val="100000"/>
+              </a:lnSpc>
+              <a:spcBef>
+                <a:spcPct val="0"/>
+              </a:spcBef>
+              <a:spcAft>
+                <a:spcPct val="0"/>
+              </a:spcAft>
+              <a:buClrTx/>
+              <a:buSzTx/>
+              <a:buFontTx/>
+              <a:buNone/>
+              <a:tabLst/>
+            </a:pPr>
+            <a:r>
+              <a:rPr kumimoji="0" lang="en-US" altLang="en-US" sz="900" b="0" i="0" u="none" strike="noStrike" cap="none" normalizeH="0" baseline="0">
+                <a:ln>
+                  <a:noFill/>
+                </a:ln>
+                <a:solidFill>
+                  <a:srgbClr val="24292E"/>
+                </a:solidFill>
+                <a:effectLst/>
+                <a:latin typeface="Arial Unicode MS"/>
+                <a:ea typeface="ui-monospace"/>
+              </a:rPr>
+              <a:t>conda create -n openmmlab python=3.7 -y conda activate openmmlab</a:t>
+            </a:r>
+            <a:r>
+              <a:rPr kumimoji="0" lang="en-US" altLang="en-US" sz="800" b="0" i="0" u="none" strike="noStrike" cap="none" normalizeH="0" baseline="0">
+                <a:ln>
+                  <a:noFill/>
+                </a:ln>
+                <a:solidFill>
+                  <a:schemeClr val="tx1"/>
+                </a:solidFill>
+                <a:effectLst/>
+              </a:rPr>
+              <a:t> </a:t>
+            </a:r>
+            <a:endParaRPr kumimoji="0" lang="en-US" altLang="en-US" sz="1800" b="0" i="0" u="none" strike="noStrike" cap="none" normalizeH="0" baseline="0">
+              <a:ln>
+                <a:noFill/>
+              </a:ln>
+              <a:solidFill>
+                <a:schemeClr val="tx1"/>
+              </a:solidFill>
+              <a:effectLst/>
+              <a:latin typeface="Arial" panose="020B0604020202020204" pitchFamily="34" charset="0"/>
+            </a:endParaRPr>
+          </a:p>
+        </p:txBody>
+      </p:sp>
+      <p:sp>
+        <p:nvSpPr>
+          <p:cNvPr id="5" name="Rectangle 2">
+            <a:extLst>
+              <a:ext uri="{FF2B5EF4-FFF2-40B4-BE49-F238E27FC236}">
+                <a16:creationId xmlns:a16="http://schemas.microsoft.com/office/drawing/2014/main" id="{8CAE711B-6AAD-4117-ACDE-EB9004145B79}"/>
+              </a:ext>
+            </a:extLst>
+          </p:cNvPr>
+          <p:cNvSpPr>
+            <a:spLocks noChangeArrowheads="1"/>
+          </p:cNvSpPr>
+          <p:nvPr/>
+        </p:nvSpPr>
+        <p:spPr bwMode="auto">
+          <a:xfrm>
+            <a:off x="152400" y="152400"/>
+            <a:ext cx="12192000" cy="457200"/>
+          </a:xfrm>
+          <a:prstGeom prst="rect">
+            <a:avLst/>
+          </a:prstGeom>
+          <a:noFill/>
+          <a:ln>
+            <a:noFill/>
+          </a:ln>
+          <a:effectLst/>
+          <a:extLst>
+            <a:ext uri="{909E8E84-426E-40DD-AFC4-6F175D3DCCD1}">
+              <a14:hiddenFill xmlns:a14="http://schemas.microsoft.com/office/drawing/2010/main">
+                <a:solidFill>
+                  <a:schemeClr val="accent1"/>
+                </a:solidFill>
+              </a14:hiddenFill>
+            </a:ext>
+            <a:ext uri="{91240B29-F687-4F45-9708-019B960494DF}">
+              <a14:hiddenLine xmlns:a14="http://schemas.microsoft.com/office/drawing/2010/main" w="9525">
+                <a:solidFill>
+                  <a:schemeClr val="tx1"/>
+                </a:solidFill>
+                <a:miter lim="800000"/>
+                <a:headEnd/>
+                <a:tailEnd/>
+              </a14:hiddenLine>
+            </a:ext>
+            <a:ext uri="{AF507438-7753-43E0-B8FC-AC1667EBCBE1}">
+              <a14:hiddenEffects xmlns:a14="http://schemas.microsoft.com/office/drawing/2010/main">
+                <a:effectLst>
+                  <a:outerShdw dist="35921" dir="2700000" algn="ctr" rotWithShape="0">
+                    <a:schemeClr val="bg2"/>
+                  </a:outerShdw>
+                </a:effectLst>
+              </a14:hiddenEffects>
+            </a:ext>
+          </a:extLst>
+        </p:spPr>
+        <p:txBody>
+          <a:bodyPr vert="horz" wrap="none" lIns="91440" tIns="0" rIns="91440" bIns="0" numCol="1" anchor="ctr" anchorCtr="0" compatLnSpc="1">
+            <a:prstTxWarp prst="textNoShape">
+              <a:avLst/>
+            </a:prstTxWarp>
+            <a:spAutoFit/>
+          </a:bodyPr>
+          <a:lstStyle/>
+          <a:p>
+            <a:pPr marL="0" marR="0" lvl="0" indent="0" algn="l" defTabSz="914400" rtl="0" eaLnBrk="0" fontAlgn="base" latinLnBrk="0" hangingPunct="0">
+              <a:lnSpc>
+                <a:spcPct val="100000"/>
+              </a:lnSpc>
+              <a:spcBef>
+                <a:spcPct val="0"/>
+              </a:spcBef>
+              <a:spcAft>
+                <a:spcPct val="0"/>
+              </a:spcAft>
+              <a:buClrTx/>
+              <a:buSzTx/>
+              <a:buFontTx/>
+              <a:buNone/>
+              <a:tabLst/>
+            </a:pPr>
+            <a:r>
+              <a:rPr kumimoji="0" lang="en-US" altLang="en-US" sz="900" b="0" i="0" u="none" strike="noStrike" cap="none" normalizeH="0" baseline="0">
+                <a:ln>
+                  <a:noFill/>
+                </a:ln>
+                <a:solidFill>
+                  <a:srgbClr val="24292E"/>
+                </a:solidFill>
+                <a:effectLst/>
+                <a:latin typeface="Arial Unicode MS"/>
+                <a:ea typeface="ui-monospace"/>
+              </a:rPr>
+              <a:t>conda create -n openmmlab python=3.7 -y conda activate openmmlab</a:t>
+            </a:r>
+            <a:r>
+              <a:rPr kumimoji="0" lang="en-US" altLang="en-US" sz="800" b="0" i="0" u="none" strike="noStrike" cap="none" normalizeH="0" baseline="0">
+                <a:ln>
+                  <a:noFill/>
+                </a:ln>
+                <a:solidFill>
+                  <a:schemeClr val="tx1"/>
+                </a:solidFill>
+                <a:effectLst/>
+              </a:rPr>
+              <a:t> </a:t>
+            </a:r>
+            <a:endParaRPr kumimoji="0" lang="en-US" altLang="en-US" sz="1800" b="0" i="0" u="none" strike="noStrike" cap="none" normalizeH="0" baseline="0">
+              <a:ln>
+                <a:noFill/>
+              </a:ln>
+              <a:solidFill>
+                <a:schemeClr val="tx1"/>
+              </a:solidFill>
+              <a:effectLst/>
+              <a:latin typeface="Arial" panose="020B0604020202020204" pitchFamily="34" charset="0"/>
+            </a:endParaRPr>
+          </a:p>
+        </p:txBody>
+      </p:sp>
+      <p:pic>
+        <p:nvPicPr>
+          <p:cNvPr id="11" name="Picture 10" descr="Text&#10;&#10;Description automatically generated">
+            <a:extLst>
+              <a:ext uri="{FF2B5EF4-FFF2-40B4-BE49-F238E27FC236}">
+                <a16:creationId xmlns:a16="http://schemas.microsoft.com/office/drawing/2014/main" id="{64B04617-C7DA-489E-9647-E4A8E6BD75CD}"/>
+              </a:ext>
+            </a:extLst>
+          </p:cNvPr>
+          <p:cNvPicPr>
+            <a:picLocks noChangeAspect="1"/>
+          </p:cNvPicPr>
+          <p:nvPr/>
+        </p:nvPicPr>
+        <p:blipFill>
+          <a:blip r:embed="rId2">
+            <a:extLst>
+              <a:ext uri="{28A0092B-C50C-407E-A947-70E740481C1C}">
+                <a14:useLocalDpi xmlns:a14="http://schemas.microsoft.com/office/drawing/2010/main" val="0"/>
+              </a:ext>
+            </a:extLst>
+          </a:blip>
+          <a:stretch>
+            <a:fillRect/>
+          </a:stretch>
+        </p:blipFill>
+        <p:spPr>
+          <a:xfrm>
+            <a:off x="1145386" y="4941742"/>
+            <a:ext cx="3029373" cy="962159"/>
+          </a:xfrm>
+          <a:prstGeom prst="rect">
+            <a:avLst/>
+          </a:prstGeom>
+        </p:spPr>
+      </p:pic>
     </p:spTree>
     <p:extLst>
       <p:ext uri="{BB962C8B-B14F-4D97-AF65-F5344CB8AC3E}">
-        <p14:creationId xmlns:p14="http://schemas.microsoft.com/office/powerpoint/2010/main" val="1062271592"/>
+        <p14:creationId xmlns:p14="http://schemas.microsoft.com/office/powerpoint/2010/main" val="36512489"/>
       </p:ext>
     </p:extLst>
   </p:cSld>
@@ -6922,68 +7508,28 @@
             <p:ph type="title"/>
           </p:nvPr>
         </p:nvSpPr>
-        <p:spPr/>
-        <p:txBody>
-          <a:bodyPr/>
-          <a:lstStyle/>
-          <a:p>
-            <a:r>
-              <a:rPr lang="en-US" dirty="0" smtClean="0"/>
-              <a:t>Step 2 : ----</a:t>
-            </a:r>
-            <a:endParaRPr lang="en-AU" dirty="0"/>
-          </a:p>
-        </p:txBody>
-      </p:sp>
-      <p:sp>
-        <p:nvSpPr>
-          <p:cNvPr id="3" name="Content Placeholder 2"/>
-          <p:cNvSpPr>
-            <a:spLocks noGrp="1"/>
-          </p:cNvSpPr>
-          <p:nvPr>
-            <p:ph idx="1"/>
-          </p:nvPr>
-        </p:nvSpPr>
         <p:spPr>
           <a:xfrm>
-            <a:off x="838200" y="1825625"/>
-            <a:ext cx="8693727" cy="4351338"/>
+            <a:off x="443345" y="314037"/>
+            <a:ext cx="10910455" cy="1376652"/>
           </a:xfrm>
         </p:spPr>
         <p:txBody>
-          <a:bodyPr/>
-          <a:lstStyle/>
-          <a:p>
-            <a:r>
-              <a:rPr lang="en-US" dirty="0" smtClean="0"/>
-              <a:t>Description </a:t>
-            </a:r>
-          </a:p>
-          <a:p>
-            <a:endParaRPr lang="en-US" dirty="0"/>
-          </a:p>
-          <a:p>
-            <a:endParaRPr lang="en-US" dirty="0" smtClean="0"/>
-          </a:p>
-          <a:p>
-            <a:endParaRPr lang="en-US" dirty="0"/>
-          </a:p>
-          <a:p>
-            <a:endParaRPr lang="en-US" dirty="0" smtClean="0"/>
-          </a:p>
-          <a:p>
-            <a:r>
-              <a:rPr lang="en-US" dirty="0" smtClean="0"/>
-              <a:t>Python code </a:t>
-            </a:r>
-            <a:endParaRPr lang="en-AU" dirty="0"/>
-          </a:p>
-        </p:txBody>
-      </p:sp>
-      <p:sp>
-        <p:nvSpPr>
-          <p:cNvPr id="6" name="Slide Number Placeholder 5"/>
+          <a:bodyPr>
+            <a:normAutofit/>
+          </a:bodyPr>
+          <a:lstStyle/>
+          <a:p>
+            <a:r>
+              <a:rPr lang="en-AU" dirty="0"/>
+              <a:t>Main loop</a:t>
+            </a:r>
+          </a:p>
+        </p:txBody>
+      </p:sp>
+      <p:sp>
+        <p:nvSpPr>
+          <p:cNvPr id="4" name="Slide Number Placeholder 3"/>
           <p:cNvSpPr>
             <a:spLocks noGrp="1"/>
           </p:cNvSpPr>
@@ -7006,7 +7552,7 @@
       </p:sp>
       <p:sp>
         <p:nvSpPr>
-          <p:cNvPr id="7" name="TextBox 6"/>
+          <p:cNvPr id="6" name="TextBox 5"/>
           <p:cNvSpPr txBox="1"/>
           <p:nvPr/>
         </p:nvSpPr>
@@ -7027,20 +7573,188 @@
           <a:lstStyle/>
           <a:p>
             <a:r>
-              <a:rPr lang="en-US" dirty="0" smtClean="0"/>
+              <a:rPr lang="en-US" dirty="0"/>
               <a:t>The Python code and MySQL are developed by Teaching Assistant </a:t>
             </a:r>
             <a:r>
-              <a:rPr lang="en-US" dirty="0" err="1" smtClean="0"/>
+              <a:rPr lang="en-US" dirty="0" err="1"/>
               <a:t>Shougang</a:t>
             </a:r>
             <a:r>
-              <a:rPr lang="en-US" dirty="0" smtClean="0"/>
+              <a:rPr lang="en-US" dirty="0"/>
               <a:t> Chen.</a:t>
             </a:r>
-            <a:endParaRPr lang="en-AU" dirty="0" smtClean="0"/>
-          </a:p>
-          <a:p>
+            <a:endParaRPr lang="en-AU" dirty="0"/>
+          </a:p>
+          <a:p>
+            <a:endParaRPr lang="en-AU" dirty="0"/>
+          </a:p>
+        </p:txBody>
+      </p:sp>
+      <p:pic>
+        <p:nvPicPr>
+          <p:cNvPr id="15" name="Picture 14" descr="Text&#10;&#10;Description automatically generated">
+            <a:extLst>
+              <a:ext uri="{FF2B5EF4-FFF2-40B4-BE49-F238E27FC236}">
+                <a16:creationId xmlns:a16="http://schemas.microsoft.com/office/drawing/2014/main" id="{0EC319CC-8C3F-47CD-BCEF-63857495C146}"/>
+              </a:ext>
+            </a:extLst>
+          </p:cNvPr>
+          <p:cNvPicPr>
+            <a:picLocks noChangeAspect="1"/>
+          </p:cNvPicPr>
+          <p:nvPr/>
+        </p:nvPicPr>
+        <p:blipFill>
+          <a:blip r:embed="rId2">
+            <a:extLst>
+              <a:ext uri="{28A0092B-C50C-407E-A947-70E740481C1C}">
+                <a14:useLocalDpi xmlns:a14="http://schemas.microsoft.com/office/drawing/2010/main" val="0"/>
+              </a:ext>
+            </a:extLst>
+          </a:blip>
+          <a:stretch>
+            <a:fillRect/>
+          </a:stretch>
+        </p:blipFill>
+        <p:spPr>
+          <a:xfrm>
+            <a:off x="5898572" y="36870"/>
+            <a:ext cx="3629532" cy="1886213"/>
+          </a:xfrm>
+          <a:prstGeom prst="rect">
+            <a:avLst/>
+          </a:prstGeom>
+        </p:spPr>
+      </p:pic>
+      <p:pic>
+        <p:nvPicPr>
+          <p:cNvPr id="17" name="Picture 16" descr="Text&#10;&#10;Description automatically generated">
+            <a:extLst>
+              <a:ext uri="{FF2B5EF4-FFF2-40B4-BE49-F238E27FC236}">
+                <a16:creationId xmlns:a16="http://schemas.microsoft.com/office/drawing/2014/main" id="{540B3414-7F6E-4BD7-AFBA-87C73B103E10}"/>
+              </a:ext>
+            </a:extLst>
+          </p:cNvPr>
+          <p:cNvPicPr>
+            <a:picLocks noChangeAspect="1"/>
+          </p:cNvPicPr>
+          <p:nvPr/>
+        </p:nvPicPr>
+        <p:blipFill>
+          <a:blip r:embed="rId3">
+            <a:extLst>
+              <a:ext uri="{28A0092B-C50C-407E-A947-70E740481C1C}">
+                <a14:useLocalDpi xmlns:a14="http://schemas.microsoft.com/office/drawing/2010/main" val="0"/>
+              </a:ext>
+            </a:extLst>
+          </a:blip>
+          <a:stretch>
+            <a:fillRect/>
+          </a:stretch>
+        </p:blipFill>
+        <p:spPr>
+          <a:xfrm>
+            <a:off x="5898572" y="2015555"/>
+            <a:ext cx="5915851" cy="4115374"/>
+          </a:xfrm>
+          <a:prstGeom prst="rect">
+            <a:avLst/>
+          </a:prstGeom>
+        </p:spPr>
+      </p:pic>
+      <p:sp>
+        <p:nvSpPr>
+          <p:cNvPr id="18" name="TextBox 17">
+            <a:extLst>
+              <a:ext uri="{FF2B5EF4-FFF2-40B4-BE49-F238E27FC236}">
+                <a16:creationId xmlns:a16="http://schemas.microsoft.com/office/drawing/2014/main" id="{9080586B-1961-4C87-BF90-294BBE987147}"/>
+              </a:ext>
+            </a:extLst>
+          </p:cNvPr>
+          <p:cNvSpPr txBox="1"/>
+          <p:nvPr/>
+        </p:nvSpPr>
+        <p:spPr>
+          <a:xfrm>
+            <a:off x="443345" y="1764145"/>
+            <a:ext cx="4516582" cy="2862322"/>
+          </a:xfrm>
+          <a:prstGeom prst="rect">
+            <a:avLst/>
+          </a:prstGeom>
+          <a:noFill/>
+        </p:spPr>
+        <p:txBody>
+          <a:bodyPr wrap="square" rtlCol="0">
+            <a:spAutoFit/>
+          </a:bodyPr>
+          <a:lstStyle/>
+          <a:p>
+            <a:pPr marL="285750" indent="-285750">
+              <a:buFont typeface="Arial" panose="020B0604020202020204" pitchFamily="34" charset="0"/>
+              <a:buChar char="•"/>
+            </a:pPr>
+            <a:r>
+              <a:rPr lang="en-AU" dirty="0"/>
+              <a:t>The main() function </a:t>
+            </a:r>
+            <a:r>
+              <a:rPr lang="en-US" dirty="0"/>
+              <a:t>will call </a:t>
+            </a:r>
+            <a:r>
+              <a:rPr lang="en-US" dirty="0" err="1"/>
+              <a:t>MainApp.mainLoop</a:t>
+            </a:r>
+            <a:r>
+              <a:rPr lang="en-US" dirty="0"/>
+              <a:t> every 60 seconds</a:t>
+            </a:r>
+          </a:p>
+          <a:p>
+            <a:pPr marL="285750" indent="-285750">
+              <a:buFont typeface="Arial" panose="020B0604020202020204" pitchFamily="34" charset="0"/>
+              <a:buChar char="•"/>
+            </a:pPr>
+            <a:r>
+              <a:rPr lang="en-US" dirty="0" err="1"/>
+              <a:t>MainApp.mainLoop</a:t>
+            </a:r>
+            <a:r>
+              <a:rPr lang="en-US" dirty="0"/>
+              <a:t> will check any new excel files in incoming directory</a:t>
+            </a:r>
+          </a:p>
+          <a:p>
+            <a:pPr marL="285750" indent="-285750">
+              <a:buFont typeface="Arial" panose="020B0604020202020204" pitchFamily="34" charset="0"/>
+              <a:buChar char="•"/>
+            </a:pPr>
+            <a:r>
+              <a:rPr lang="en-US" dirty="0"/>
+              <a:t>For each excel file, extract, transform and load functions will be called</a:t>
+            </a:r>
+          </a:p>
+          <a:p>
+            <a:pPr marL="285750" indent="-285750">
+              <a:buFont typeface="Arial" panose="020B0604020202020204" pitchFamily="34" charset="0"/>
+              <a:buChar char="•"/>
+            </a:pPr>
+            <a:r>
+              <a:rPr lang="en-US" dirty="0"/>
+              <a:t>After finishing ETL tasks, the excel file will be move to done directory</a:t>
+            </a:r>
+          </a:p>
+          <a:p>
+            <a:pPr marL="285750" indent="-285750">
+              <a:buFont typeface="Arial" panose="020B0604020202020204" pitchFamily="34" charset="0"/>
+              <a:buChar char="•"/>
+            </a:pPr>
+            <a:r>
+              <a:rPr lang="en-US" dirty="0"/>
+              <a:t>The thread will sleep 60 second before next check</a:t>
+            </a:r>
             <a:endParaRPr lang="en-AU" dirty="0"/>
           </a:p>
         </p:txBody>
@@ -7048,7 +7762,7 @@
     </p:spTree>
     <p:extLst>
       <p:ext uri="{BB962C8B-B14F-4D97-AF65-F5344CB8AC3E}">
-        <p14:creationId xmlns:p14="http://schemas.microsoft.com/office/powerpoint/2010/main" val="2375203244"/>
+        <p14:creationId xmlns:p14="http://schemas.microsoft.com/office/powerpoint/2010/main" val="1062271592"/>
       </p:ext>
     </p:extLst>
   </p:cSld>
@@ -7091,8 +7805,8 @@
           <a:lstStyle/>
           <a:p>
             <a:r>
-              <a:rPr lang="en-US" dirty="0" smtClean="0"/>
-              <a:t>Step 2 Results  - Screenshot </a:t>
+              <a:rPr lang="en-US" dirty="0"/>
+              <a:t>Step 1 : Extract data</a:t>
             </a:r>
             <a:endParaRPr lang="en-AU" dirty="0"/>
           </a:p>
@@ -7108,22 +7822,82 @@
             <p:ph idx="1"/>
           </p:nvPr>
         </p:nvSpPr>
-        <p:spPr/>
-        <p:txBody>
-          <a:bodyPr/>
-          <a:lstStyle/>
-          <a:p>
-            <a:r>
-              <a:rPr lang="en-US" dirty="0" smtClean="0"/>
-              <a:t>Screenshot </a:t>
-            </a:r>
+        <p:spPr>
+          <a:xfrm>
+            <a:off x="838201" y="1523621"/>
+            <a:ext cx="9548410" cy="2458495"/>
+          </a:xfrm>
+        </p:spPr>
+        <p:txBody>
+          <a:bodyPr>
+            <a:normAutofit lnSpcReduction="10000"/>
+          </a:bodyPr>
+          <a:lstStyle/>
+          <a:p>
+            <a:r>
+              <a:rPr lang="en-US" dirty="0"/>
+              <a:t>Pandas has been used in this case to extract data from excel files </a:t>
+            </a:r>
+          </a:p>
+          <a:p>
+            <a:r>
+              <a:rPr lang="en-US" dirty="0"/>
+              <a:t>Pandas has an API called </a:t>
+            </a:r>
+            <a:r>
+              <a:rPr lang="en-US" dirty="0" err="1"/>
+              <a:t>read_excel</a:t>
+            </a:r>
+            <a:r>
+              <a:rPr lang="en-US" dirty="0"/>
+              <a:t>, which can be used to read excel files into </a:t>
+            </a:r>
+            <a:r>
+              <a:rPr lang="en-US" dirty="0" err="1"/>
+              <a:t>DataFrame</a:t>
+            </a:r>
+            <a:r>
+              <a:rPr lang="en-US" dirty="0"/>
+              <a:t> object</a:t>
+            </a:r>
+          </a:p>
+          <a:p>
+            <a:r>
+              <a:rPr lang="en-US" dirty="0" err="1"/>
+              <a:t>DataFrame</a:t>
+            </a:r>
+            <a:r>
+              <a:rPr lang="en-AU" dirty="0"/>
+              <a:t> </a:t>
+            </a:r>
+            <a:r>
+              <a:rPr lang="en-US" dirty="0"/>
+              <a:t>contains labeled rows and columns, which can perfectly hold excel sheet data</a:t>
+            </a:r>
+          </a:p>
+          <a:p>
+            <a:endParaRPr lang="en-US" dirty="0"/>
+          </a:p>
+          <a:p>
+            <a:endParaRPr lang="en-US" dirty="0"/>
+          </a:p>
+          <a:p>
+            <a:endParaRPr lang="en-US" dirty="0"/>
+          </a:p>
+          <a:p>
+            <a:endParaRPr lang="en-US" dirty="0"/>
+          </a:p>
+          <a:p>
+            <a:pPr marL="0" indent="0">
+              <a:buNone/>
+            </a:pPr>
             <a:endParaRPr lang="en-AU" dirty="0"/>
           </a:p>
         </p:txBody>
       </p:sp>
       <p:sp>
         <p:nvSpPr>
-          <p:cNvPr id="4" name="Slide Number Placeholder 3"/>
+          <p:cNvPr id="6" name="Slide Number Placeholder 5"/>
           <p:cNvSpPr>
             <a:spLocks noGrp="1"/>
           </p:cNvSpPr>
@@ -7146,7 +7920,7 @@
       </p:sp>
       <p:sp>
         <p:nvSpPr>
-          <p:cNvPr id="6" name="TextBox 5"/>
+          <p:cNvPr id="7" name="TextBox 6"/>
           <p:cNvSpPr txBox="1"/>
           <p:nvPr/>
         </p:nvSpPr>
@@ -7167,18 +7941,18 @@
           <a:lstStyle/>
           <a:p>
             <a:r>
-              <a:rPr lang="en-US" dirty="0" smtClean="0"/>
+              <a:rPr lang="en-US" dirty="0"/>
               <a:t>The Python code and MySQL are developed by Teaching Assistant </a:t>
             </a:r>
             <a:r>
-              <a:rPr lang="en-US" dirty="0" err="1" smtClean="0"/>
+              <a:rPr lang="en-US" dirty="0" err="1"/>
               <a:t>Shougang</a:t>
             </a:r>
             <a:r>
-              <a:rPr lang="en-US" dirty="0" smtClean="0"/>
+              <a:rPr lang="en-US" dirty="0"/>
               <a:t> Chen.</a:t>
             </a:r>
-            <a:endParaRPr lang="en-AU" dirty="0" smtClean="0"/>
+            <a:endParaRPr lang="en-AU" dirty="0"/>
           </a:p>
           <a:p>
             <a:endParaRPr lang="en-AU" dirty="0"/>
@@ -7187,9 +7961,15 @@
       </p:sp>
       <p:pic>
         <p:nvPicPr>
-          <p:cNvPr id="2052" name="Picture 4" descr="Python Tricks Dictionary Merge"/>
+          <p:cNvPr id="5" name="Picture 4" descr="A screenshot of a computer&#10;&#10;Description automatically generated with medium confidence">
+            <a:extLst>
+              <a:ext uri="{FF2B5EF4-FFF2-40B4-BE49-F238E27FC236}">
+                <a16:creationId xmlns:a16="http://schemas.microsoft.com/office/drawing/2014/main" id="{EBABD11F-F03A-4837-A1EC-864A32692B45}"/>
+              </a:ext>
+            </a:extLst>
+          </p:cNvPr>
           <p:cNvPicPr>
-            <a:picLocks noChangeAspect="1" noChangeArrowheads="1"/>
+            <a:picLocks noChangeAspect="1"/>
           </p:cNvPicPr>
           <p:nvPr/>
         </p:nvPicPr>
@@ -7201,35 +7981,24 @@
               </a:ext>
             </a:extLst>
           </a:blip>
-          <a:srcRect/>
           <a:stretch>
             <a:fillRect/>
           </a:stretch>
         </p:blipFill>
-        <p:spPr bwMode="auto">
+        <p:spPr>
           <a:xfrm>
-            <a:off x="4167331" y="1985817"/>
-            <a:ext cx="5607695" cy="3723267"/>
+            <a:off x="1117492" y="4383775"/>
+            <a:ext cx="9269119" cy="1438476"/>
           </a:xfrm>
           <a:prstGeom prst="rect">
             <a:avLst/>
           </a:prstGeom>
-          <a:noFill/>
-          <a:extLst>
-            <a:ext uri="{909E8E84-426E-40DD-AFC4-6F175D3DCCD1}">
-              <a14:hiddenFill xmlns:a14="http://schemas.microsoft.com/office/drawing/2010/main">
-                <a:solidFill>
-                  <a:srgbClr val="FFFFFF"/>
-                </a:solidFill>
-              </a14:hiddenFill>
-            </a:ext>
-          </a:extLst>
         </p:spPr>
       </p:pic>
     </p:spTree>
     <p:extLst>
       <p:ext uri="{BB962C8B-B14F-4D97-AF65-F5344CB8AC3E}">
-        <p14:creationId xmlns:p14="http://schemas.microsoft.com/office/powerpoint/2010/main" val="1706581580"/>
+        <p14:creationId xmlns:p14="http://schemas.microsoft.com/office/powerpoint/2010/main" val="2375203244"/>
       </p:ext>
     </p:extLst>
   </p:cSld>
@@ -7272,8 +8041,8 @@
           <a:lstStyle/>
           <a:p>
             <a:r>
-              <a:rPr lang="en-US" dirty="0" smtClean="0"/>
-              <a:t>Step 3 : ----</a:t>
+              <a:rPr lang="en-US" dirty="0"/>
+              <a:t>Step 1 Results  - Screenshot </a:t>
             </a:r>
             <a:endParaRPr lang="en-AU" dirty="0"/>
           </a:p>
@@ -7291,8 +8060,8 @@
         </p:nvSpPr>
         <p:spPr>
           <a:xfrm>
-            <a:off x="838200" y="1825625"/>
-            <a:ext cx="8693727" cy="4351338"/>
+            <a:off x="838200" y="1339063"/>
+            <a:ext cx="10515600" cy="556848"/>
           </a:xfrm>
         </p:spPr>
         <p:txBody>
@@ -7300,26 +8069,8 @@
           <a:lstStyle/>
           <a:p>
             <a:r>
-              <a:rPr lang="en-US" dirty="0" smtClean="0"/>
-              <a:t>Description </a:t>
-            </a:r>
-          </a:p>
-          <a:p>
-            <a:endParaRPr lang="en-US" dirty="0"/>
-          </a:p>
-          <a:p>
-            <a:endParaRPr lang="en-US" dirty="0" smtClean="0"/>
-          </a:p>
-          <a:p>
-            <a:endParaRPr lang="en-US" dirty="0"/>
-          </a:p>
-          <a:p>
-            <a:endParaRPr lang="en-US" dirty="0" smtClean="0"/>
-          </a:p>
-          <a:p>
-            <a:r>
-              <a:rPr lang="en-US" dirty="0" smtClean="0"/>
-              <a:t>Python code </a:t>
+              <a:rPr lang="en-US" dirty="0" err="1"/>
+              <a:t>dataFrame.to_html</a:t>
             </a:r>
             <a:endParaRPr lang="en-AU" dirty="0"/>
           </a:p>
@@ -7327,7 +8078,7 @@
       </p:sp>
       <p:sp>
         <p:nvSpPr>
-          <p:cNvPr id="6" name="Slide Number Placeholder 5"/>
+          <p:cNvPr id="4" name="Slide Number Placeholder 3"/>
           <p:cNvSpPr>
             <a:spLocks noGrp="1"/>
           </p:cNvSpPr>
@@ -7350,7 +8101,7 @@
       </p:sp>
       <p:sp>
         <p:nvSpPr>
-          <p:cNvPr id="7" name="TextBox 6"/>
+          <p:cNvPr id="6" name="TextBox 5"/>
           <p:cNvSpPr txBox="1"/>
           <p:nvPr/>
         </p:nvSpPr>
@@ -7371,28 +8122,64 @@
           <a:lstStyle/>
           <a:p>
             <a:r>
-              <a:rPr lang="en-US" dirty="0" smtClean="0"/>
+              <a:rPr lang="en-US" dirty="0"/>
               <a:t>The Python code and MySQL are developed by Teaching Assistant </a:t>
             </a:r>
             <a:r>
-              <a:rPr lang="en-US" dirty="0" err="1" smtClean="0"/>
+              <a:rPr lang="en-US" dirty="0" err="1"/>
               <a:t>Shougang</a:t>
             </a:r>
             <a:r>
-              <a:rPr lang="en-US" dirty="0" smtClean="0"/>
+              <a:rPr lang="en-US" dirty="0"/>
               <a:t> Chen.</a:t>
             </a:r>
-            <a:endParaRPr lang="en-AU" dirty="0" smtClean="0"/>
-          </a:p>
-          <a:p>
             <a:endParaRPr lang="en-AU" dirty="0"/>
           </a:p>
-        </p:txBody>
-      </p:sp>
+          <a:p>
+            <a:endParaRPr lang="en-AU" dirty="0"/>
+          </a:p>
+        </p:txBody>
+      </p:sp>
+      <p:pic>
+        <p:nvPicPr>
+          <p:cNvPr id="7" name="Picture 6" descr="A picture containing text, wall, shelf&#10;&#10;Description automatically generated">
+            <a:extLst>
+              <a:ext uri="{FF2B5EF4-FFF2-40B4-BE49-F238E27FC236}">
+                <a16:creationId xmlns:a16="http://schemas.microsoft.com/office/drawing/2014/main" id="{45F1C94F-84B0-4706-9F61-51937AD617BA}"/>
+              </a:ext>
+            </a:extLst>
+          </p:cNvPr>
+          <p:cNvPicPr>
+            <a:picLocks noChangeAspect="1"/>
+          </p:cNvPicPr>
+          <p:nvPr/>
+        </p:nvPicPr>
+        <p:blipFill>
+          <a:blip r:embed="rId2">
+            <a:extLst>
+              <a:ext uri="{28A0092B-C50C-407E-A947-70E740481C1C}">
+                <a14:useLocalDpi xmlns:a14="http://schemas.microsoft.com/office/drawing/2010/main" val="0"/>
+              </a:ext>
+            </a:extLst>
+          </a:blip>
+          <a:stretch>
+            <a:fillRect/>
+          </a:stretch>
+        </p:blipFill>
+        <p:spPr>
+          <a:xfrm>
+            <a:off x="104163" y="1895848"/>
+            <a:ext cx="11946947" cy="3884167"/>
+          </a:xfrm>
+          <a:prstGeom prst="rect">
+            <a:avLst/>
+          </a:prstGeom>
+        </p:spPr>
+      </p:pic>
     </p:spTree>
     <p:extLst>
       <p:ext uri="{BB962C8B-B14F-4D97-AF65-F5344CB8AC3E}">
-        <p14:creationId xmlns:p14="http://schemas.microsoft.com/office/powerpoint/2010/main" val="1226663089"/>
+        <p14:creationId xmlns:p14="http://schemas.microsoft.com/office/powerpoint/2010/main" val="1706581580"/>
       </p:ext>
     </p:extLst>
   </p:cSld>
